--- a/答辩资料/基于视频分析的森林烟火识别算法研究-蔡敏v1.2.pptx
+++ b/答辩资料/基于视频分析的森林烟火识别算法研究-蔡敏v1.2.pptx
@@ -480,11 +480,11 @@
           <c:showPercent val="0"/>
           <c:showBubbleSize val="0"/>
         </c:dLbls>
-        <c:axId val="361241920"/>
-        <c:axId val="361242312"/>
+        <c:axId val="238564768"/>
+        <c:axId val="239160400"/>
       </c:scatterChart>
       <c:valAx>
-        <c:axId val="361241920"/>
+        <c:axId val="238564768"/>
         <c:scaling>
           <c:orientation val="minMax"/>
         </c:scaling>
@@ -541,12 +541,12 @@
             <a:endParaRPr lang="zh-CN"/>
           </a:p>
         </c:txPr>
-        <c:crossAx val="361242312"/>
+        <c:crossAx val="239160400"/>
         <c:crosses val="autoZero"/>
         <c:crossBetween val="midCat"/>
       </c:valAx>
       <c:valAx>
-        <c:axId val="361242312"/>
+        <c:axId val="239160400"/>
         <c:scaling>
           <c:orientation val="maxMin"/>
         </c:scaling>
@@ -603,7 +603,7 @@
             <a:endParaRPr lang="zh-CN"/>
           </a:p>
         </c:txPr>
-        <c:crossAx val="361241920"/>
+        <c:crossAx val="238564768"/>
         <c:crosses val="autoZero"/>
         <c:crossBetween val="midCat"/>
       </c:valAx>
@@ -957,11 +957,11 @@
           <c:showPercent val="0"/>
           <c:showBubbleSize val="0"/>
         </c:dLbls>
-        <c:axId val="361243096"/>
-        <c:axId val="361243488"/>
+        <c:axId val="351299984"/>
+        <c:axId val="350981112"/>
       </c:scatterChart>
       <c:valAx>
-        <c:axId val="361243096"/>
+        <c:axId val="351299984"/>
         <c:scaling>
           <c:orientation val="minMax"/>
         </c:scaling>
@@ -1018,12 +1018,12 @@
             <a:endParaRPr lang="zh-CN"/>
           </a:p>
         </c:txPr>
-        <c:crossAx val="361243488"/>
+        <c:crossAx val="350981112"/>
         <c:crosses val="autoZero"/>
         <c:crossBetween val="midCat"/>
       </c:valAx>
       <c:valAx>
-        <c:axId val="361243488"/>
+        <c:axId val="350981112"/>
         <c:scaling>
           <c:orientation val="maxMin"/>
         </c:scaling>
@@ -1080,7 +1080,7 @@
             <a:endParaRPr lang="zh-CN"/>
           </a:p>
         </c:txPr>
-        <c:crossAx val="361243096"/>
+        <c:crossAx val="351299984"/>
         <c:crosses val="autoZero"/>
         <c:crossBetween val="midCat"/>
       </c:valAx>
@@ -1543,11 +1543,11 @@
         </c:dLbls>
         <c:marker val="1"/>
         <c:smooth val="0"/>
-        <c:axId val="361244272"/>
-        <c:axId val="361244664"/>
+        <c:axId val="350973992"/>
+        <c:axId val="351084880"/>
       </c:lineChart>
       <c:catAx>
-        <c:axId val="361244272"/>
+        <c:axId val="350973992"/>
         <c:scaling>
           <c:orientation val="minMax"/>
         </c:scaling>
@@ -1646,7 +1646,7 @@
             <a:endParaRPr lang="zh-CN"/>
           </a:p>
         </c:txPr>
-        <c:crossAx val="361244664"/>
+        <c:crossAx val="351084880"/>
         <c:crosses val="autoZero"/>
         <c:auto val="1"/>
         <c:lblAlgn val="ctr"/>
@@ -1654,7 +1654,7 @@
         <c:noMultiLvlLbl val="0"/>
       </c:catAx>
       <c:valAx>
-        <c:axId val="361244664"/>
+        <c:axId val="351084880"/>
         <c:scaling>
           <c:orientation val="minMax"/>
         </c:scaling>
@@ -1761,7 +1761,7 @@
             <a:endParaRPr lang="zh-CN"/>
           </a:p>
         </c:txPr>
-        <c:crossAx val="361244272"/>
+        <c:crossAx val="350973992"/>
         <c:crosses val="autoZero"/>
         <c:crossBetween val="between"/>
       </c:valAx>
@@ -2255,11 +2255,11 @@
         </c:dLbls>
         <c:marker val="1"/>
         <c:smooth val="0"/>
-        <c:axId val="361773096"/>
-        <c:axId val="361773488"/>
+        <c:axId val="238405776"/>
+        <c:axId val="238406168"/>
       </c:lineChart>
       <c:catAx>
-        <c:axId val="361773096"/>
+        <c:axId val="238405776"/>
         <c:scaling>
           <c:orientation val="minMax"/>
         </c:scaling>
@@ -2358,7 +2358,7 @@
             <a:endParaRPr lang="zh-CN"/>
           </a:p>
         </c:txPr>
-        <c:crossAx val="361773488"/>
+        <c:crossAx val="238406168"/>
         <c:crosses val="autoZero"/>
         <c:auto val="1"/>
         <c:lblAlgn val="ctr"/>
@@ -2366,7 +2366,7 @@
         <c:noMultiLvlLbl val="0"/>
       </c:catAx>
       <c:valAx>
-        <c:axId val="361773488"/>
+        <c:axId val="238406168"/>
         <c:scaling>
           <c:orientation val="minMax"/>
           <c:min val="0.2"/>
@@ -2474,7 +2474,7 @@
             <a:endParaRPr lang="zh-CN"/>
           </a:p>
         </c:txPr>
-        <c:crossAx val="361773096"/>
+        <c:crossAx val="238405776"/>
         <c:crosses val="autoZero"/>
         <c:crossBetween val="between"/>
       </c:valAx>
@@ -4813,7 +4813,7 @@
           <a:p>
             <a:fld id="{4CCA81FB-84C2-46F2-95AF-5B75DD96F234}" type="datetimeFigureOut">
               <a:rPr lang="zh-CN" altLang="en-US" smtClean="0"/>
-              <a:t>2018/4/10</a:t>
+              <a:t>2018/4/11</a:t>
             </a:fld>
             <a:endParaRPr lang="zh-CN" altLang="en-US"/>
           </a:p>
@@ -5777,10 +5777,10 @@
                 <a:ea typeface="+mn-ea"/>
                 <a:cs typeface="+mn-cs"/>
               </a:rPr>
-              <a:t>，但</a:t>
-            </a:r>
-            <a:r>
-              <a:rPr lang="zh-CN" altLang="zh-CN" sz="1200" kern="1200" dirty="0" smtClean="0">
+              <a:t>，但不及</a:t>
+            </a:r>
+            <a:r>
+              <a:rPr lang="zh-CN" altLang="en-US" sz="1200" kern="1200" dirty="0" smtClean="0">
                 <a:solidFill>
                   <a:schemeClr val="tx1"/>
                 </a:solidFill>
@@ -5789,10 +5789,10 @@
                 <a:ea typeface="+mn-ea"/>
                 <a:cs typeface="+mn-cs"/>
               </a:rPr>
-              <a:t>不及</a:t>
-            </a:r>
-            <a:r>
-              <a:rPr lang="zh-CN" altLang="en-US" sz="1200" kern="1200" dirty="0" smtClean="0">
+              <a:t>直方图均衡</a:t>
+            </a:r>
+            <a:r>
+              <a:rPr lang="zh-CN" altLang="zh-CN" sz="1200" kern="1200" dirty="0" smtClean="0">
                 <a:solidFill>
                   <a:schemeClr val="tx1"/>
                 </a:solidFill>
@@ -5801,8 +5801,10 @@
                 <a:ea typeface="+mn-ea"/>
                 <a:cs typeface="+mn-cs"/>
               </a:rPr>
-              <a:t>直方图均衡</a:t>
-            </a:r>
+              <a:t>；</a:t>
+            </a:r>
+          </a:p>
+          <a:p>
             <a:r>
               <a:rPr lang="zh-CN" altLang="zh-CN" sz="1200" kern="1200" dirty="0" smtClean="0">
                 <a:solidFill>
@@ -5813,21 +5815,10 @@
                 <a:ea typeface="+mn-ea"/>
                 <a:cs typeface="+mn-cs"/>
               </a:rPr>
-              <a:t>；</a:t>
-            </a:r>
-            <a:endParaRPr lang="zh-CN" altLang="zh-CN" sz="1200" kern="1200" dirty="0" smtClean="0">
-              <a:solidFill>
-                <a:schemeClr val="tx1"/>
-              </a:solidFill>
-              <a:effectLst/>
-              <a:latin typeface="+mn-lt"/>
-              <a:ea typeface="+mn-ea"/>
-              <a:cs typeface="+mn-cs"/>
-            </a:endParaRPr>
-          </a:p>
-          <a:p>
-            <a:r>
-              <a:rPr lang="zh-CN" altLang="zh-CN" sz="1200" kern="1200" dirty="0" smtClean="0">
+              <a:t>②</a:t>
+            </a:r>
+            <a:r>
+              <a:rPr lang="zh-CN" altLang="en-US" sz="1200" kern="1200" dirty="0" smtClean="0">
                 <a:solidFill>
                   <a:schemeClr val="tx1"/>
                 </a:solidFill>
@@ -5836,10 +5827,10 @@
                 <a:ea typeface="+mn-ea"/>
                 <a:cs typeface="+mn-cs"/>
               </a:rPr>
-              <a:t>②</a:t>
-            </a:r>
-            <a:r>
-              <a:rPr lang="zh-CN" altLang="en-US" sz="1200" kern="1200" dirty="0" smtClean="0">
+              <a:t>直方图均衡</a:t>
+            </a:r>
+            <a:r>
+              <a:rPr lang="zh-CN" altLang="zh-CN" sz="1200" kern="1200" dirty="0" smtClean="0">
                 <a:solidFill>
                   <a:schemeClr val="tx1"/>
                 </a:solidFill>
@@ -5848,31 +5839,7 @@
                 <a:ea typeface="+mn-ea"/>
                 <a:cs typeface="+mn-cs"/>
               </a:rPr>
-              <a:t>直方图均衡</a:t>
-            </a:r>
-            <a:r>
-              <a:rPr lang="zh-CN" altLang="zh-CN" sz="1200" kern="1200" dirty="0" smtClean="0">
-                <a:solidFill>
-                  <a:schemeClr val="tx1"/>
-                </a:solidFill>
-                <a:effectLst/>
-                <a:latin typeface="+mn-lt"/>
-                <a:ea typeface="+mn-ea"/>
-                <a:cs typeface="+mn-cs"/>
-              </a:rPr>
-              <a:t>去</a:t>
-            </a:r>
-            <a:r>
-              <a:rPr lang="zh-CN" altLang="zh-CN" sz="1200" kern="1200" dirty="0" smtClean="0">
-                <a:solidFill>
-                  <a:schemeClr val="tx1"/>
-                </a:solidFill>
-                <a:effectLst/>
-                <a:latin typeface="+mn-lt"/>
-                <a:ea typeface="+mn-ea"/>
-                <a:cs typeface="+mn-cs"/>
-              </a:rPr>
-              <a:t>雾处理在有雾图像的彩色信息恢复方面稍弱，但对于有雾图像的对比度增强效果显著，同时</a:t>
+              <a:t>去雾处理在有雾图像的彩色信息恢复方面稍弱，但对于有雾图像的对比度增强效果显著，同时</a:t>
             </a:r>
             <a:r>
               <a:rPr lang="zh-CN" altLang="en-US" sz="1200" kern="1200" dirty="0" smtClean="0">
@@ -6094,43 +6061,7 @@
                 <a:ea typeface="+mn-ea"/>
                 <a:cs typeface="+mn-cs"/>
               </a:rPr>
-              <a:t>去</a:t>
-            </a:r>
-            <a:r>
-              <a:rPr lang="zh-CN" altLang="zh-CN" sz="1200" kern="1200" dirty="0" smtClean="0">
-                <a:solidFill>
-                  <a:schemeClr val="tx1"/>
-                </a:solidFill>
-                <a:effectLst/>
-                <a:latin typeface="+mn-lt"/>
-                <a:ea typeface="+mn-ea"/>
-                <a:cs typeface="+mn-cs"/>
-              </a:rPr>
-              <a:t>雾</a:t>
-            </a:r>
-            <a:r>
-              <a:rPr lang="zh-CN" altLang="zh-CN" sz="1200" kern="1200" dirty="0" smtClean="0">
-                <a:solidFill>
-                  <a:schemeClr val="tx1"/>
-                </a:solidFill>
-                <a:effectLst/>
-                <a:latin typeface="+mn-lt"/>
-                <a:ea typeface="+mn-ea"/>
-                <a:cs typeface="+mn-cs"/>
-              </a:rPr>
-              <a:t>算法存在</a:t>
-            </a:r>
-            <a:r>
-              <a:rPr lang="zh-CN" altLang="zh-CN" sz="1200" kern="1200" dirty="0" smtClean="0">
-                <a:solidFill>
-                  <a:schemeClr val="tx1"/>
-                </a:solidFill>
-                <a:effectLst/>
-                <a:latin typeface="+mn-lt"/>
-                <a:ea typeface="+mn-ea"/>
-                <a:cs typeface="+mn-cs"/>
-              </a:rPr>
-              <a:t>以下两点问题：</a:t>
+              <a:t>去雾算法存在以下两点问题：</a:t>
             </a:r>
             <a:endParaRPr lang="en-US" altLang="zh-CN" sz="1200" kern="1200" dirty="0" smtClean="0">
               <a:solidFill>
@@ -6601,10 +6532,10 @@
                 <a:ea typeface="+mn-ea"/>
                 <a:cs typeface="+mn-cs"/>
               </a:rPr>
-              <a:t>。对同一场景下有雾和无雾图像计算暗</a:t>
-            </a:r>
-            <a:r>
-              <a:rPr lang="zh-CN" altLang="zh-CN" sz="1200" kern="1200" dirty="0" smtClean="0">
+              <a:t>。对同一场景下有雾和无雾图像计算暗通道</a:t>
+            </a:r>
+            <a:r>
+              <a:rPr lang="zh-CN" altLang="en-US" sz="1200" kern="1200" dirty="0" smtClean="0">
                 <a:solidFill>
                   <a:schemeClr val="tx1"/>
                 </a:solidFill>
@@ -6613,10 +6544,10 @@
                 <a:ea typeface="+mn-ea"/>
                 <a:cs typeface="+mn-cs"/>
               </a:rPr>
-              <a:t>通道</a:t>
-            </a:r>
-            <a:r>
-              <a:rPr lang="zh-CN" altLang="en-US" sz="1200" kern="1200" dirty="0" smtClean="0">
+              <a:t>结果如图所示，</a:t>
+            </a:r>
+            <a:r>
+              <a:rPr lang="zh-CN" altLang="en-US" sz="1200" kern="1200" smtClean="0">
                 <a:solidFill>
                   <a:schemeClr val="tx1"/>
                 </a:solidFill>
@@ -6625,10 +6556,10 @@
                 <a:ea typeface="+mn-ea"/>
                 <a:cs typeface="+mn-cs"/>
               </a:rPr>
-              <a:t>结果如图所示，</a:t>
-            </a:r>
-            <a:r>
-              <a:rPr lang="zh-CN" altLang="en-US" sz="1200" kern="1200" smtClean="0">
+              <a:t>正常天气下的暗</a:t>
+            </a:r>
+            <a:r>
+              <a:rPr lang="zh-CN" altLang="en-US" sz="1200" kern="1200" dirty="0" smtClean="0">
                 <a:solidFill>
                   <a:schemeClr val="tx1"/>
                 </a:solidFill>
@@ -6637,10 +6568,10 @@
                 <a:ea typeface="+mn-ea"/>
                 <a:cs typeface="+mn-cs"/>
               </a:rPr>
-              <a:t>正常天气下的暗</a:t>
-            </a:r>
-            <a:r>
-              <a:rPr lang="zh-CN" altLang="en-US" sz="1200" kern="1200" dirty="0" smtClean="0">
+              <a:t>通道图颜色偏暗，</a:t>
+            </a:r>
+            <a:r>
+              <a:rPr lang="zh-CN" altLang="zh-CN" sz="1200" kern="1200" dirty="0" smtClean="0">
                 <a:solidFill>
                   <a:schemeClr val="tx1"/>
                 </a:solidFill>
@@ -6649,31 +6580,7 @@
                 <a:ea typeface="+mn-ea"/>
                 <a:cs typeface="+mn-cs"/>
               </a:rPr>
-              <a:t>通道图颜色偏暗，</a:t>
-            </a:r>
-            <a:r>
-              <a:rPr lang="zh-CN" altLang="zh-CN" sz="1200" kern="1200" dirty="0" smtClean="0">
-                <a:solidFill>
-                  <a:schemeClr val="tx1"/>
-                </a:solidFill>
-                <a:effectLst/>
-                <a:latin typeface="+mn-lt"/>
-                <a:ea typeface="+mn-ea"/>
-                <a:cs typeface="+mn-cs"/>
-              </a:rPr>
-              <a:t>在</a:t>
-            </a:r>
-            <a:r>
-              <a:rPr lang="zh-CN" altLang="zh-CN" sz="1200" kern="1200" dirty="0" smtClean="0">
-                <a:solidFill>
-                  <a:schemeClr val="tx1"/>
-                </a:solidFill>
-                <a:effectLst/>
-                <a:latin typeface="+mn-lt"/>
-                <a:ea typeface="+mn-ea"/>
-                <a:cs typeface="+mn-cs"/>
-              </a:rPr>
-              <a:t>雾霾天气下拍摄的图像对应的暗通道图像像素值较高，因此可以利用阈值分割对有雾场景和无雾场景进行区分。</a:t>
+              <a:t>在雾霾天气下拍摄的图像对应的暗通道图像像素值较高，因此可以利用阈值分割对有雾场景和无雾场景进行区分。</a:t>
             </a:r>
             <a:endParaRPr lang="en-US" altLang="zh-CN" sz="1200" kern="1200" dirty="0" smtClean="0">
               <a:solidFill>
@@ -7268,31 +7175,7 @@
                 <a:ea typeface="+mn-ea"/>
                 <a:cs typeface="+mn-cs"/>
               </a:rPr>
-              <a:t>运动分割的目标是从视频图像序列中将像素值发生变化的区域从背景图像中分割出来，运动分割的准确性</a:t>
-            </a:r>
-            <a:r>
-              <a:rPr lang="zh-CN" altLang="zh-CN" sz="1200" kern="1200" dirty="0" smtClean="0">
-                <a:solidFill>
-                  <a:schemeClr val="tx1"/>
-                </a:solidFill>
-                <a:effectLst/>
-                <a:latin typeface="+mn-lt"/>
-                <a:ea typeface="+mn-ea"/>
-                <a:cs typeface="+mn-cs"/>
-              </a:rPr>
-              <a:t>对后续</a:t>
-            </a:r>
-            <a:r>
-              <a:rPr lang="zh-CN" altLang="zh-CN" sz="1200" kern="1200" dirty="0" smtClean="0">
-                <a:solidFill>
-                  <a:schemeClr val="tx1"/>
-                </a:solidFill>
-                <a:effectLst/>
-                <a:latin typeface="+mn-lt"/>
-                <a:ea typeface="+mn-ea"/>
-                <a:cs typeface="+mn-cs"/>
-              </a:rPr>
-              <a:t>的特征提取、目标分类与识别影响重大。</a:t>
+              <a:t>运动分割的目标是从视频图像序列中将像素值发生变化的区域从背景图像中分割出来，运动分割的准确性对后续的特征提取、目标分类与识别影响重大。</a:t>
             </a:r>
             <a:endParaRPr lang="en-US" altLang="zh-CN" sz="1200" kern="1200" dirty="0" smtClean="0">
               <a:solidFill>
@@ -7433,7 +7316,7 @@
                 <a:ea typeface="+mn-ea"/>
                 <a:cs typeface="+mn-cs"/>
               </a:rPr>
-              <a:t>：模型初始化，运动目标点判断和模型更新</a:t>
+              <a:t>：模型初始化，运动点判断和模型更新</a:t>
             </a:r>
             <a:r>
               <a:rPr lang="zh-CN" altLang="en-US" sz="1200" kern="1200" dirty="0" smtClean="0">
@@ -7445,7 +7328,30 @@
                 <a:ea typeface="+mn-ea"/>
                 <a:cs typeface="+mn-cs"/>
               </a:rPr>
-              <a:t>，</a:t>
+              <a:t>。</a:t>
+            </a:r>
+            <a:endParaRPr lang="en-US" altLang="zh-CN" sz="1200" kern="1200" dirty="0" smtClean="0">
+              <a:solidFill>
+                <a:schemeClr val="tx1"/>
+              </a:solidFill>
+              <a:effectLst/>
+              <a:latin typeface="+mn-lt"/>
+              <a:ea typeface="+mn-ea"/>
+              <a:cs typeface="+mn-cs"/>
+            </a:endParaRPr>
+          </a:p>
+          <a:p>
+            <a:r>
+              <a:rPr lang="zh-CN" altLang="en-US" sz="1200" kern="1200" dirty="0" smtClean="0">
+                <a:solidFill>
+                  <a:schemeClr val="tx1"/>
+                </a:solidFill>
+                <a:effectLst/>
+                <a:latin typeface="+mn-lt"/>
+                <a:ea typeface="+mn-ea"/>
+                <a:cs typeface="+mn-cs"/>
+              </a:rPr>
+              <a:t>模型初始化采用像素点邻域内的像素值初始化背景样本集，运动点判断则是依据像素值与背景样本集的相似程度进行判别，</a:t>
             </a:r>
             <a:r>
               <a:rPr lang="en-US" altLang="zh-CN" sz="1200" kern="1200" dirty="0" smtClean="0">
@@ -7577,10 +7483,10 @@
                 <a:ea typeface="+mn-ea"/>
                 <a:cs typeface="+mn-cs"/>
               </a:rPr>
-              <a:t>算法对森林监控视频的运动目标检测能到较好效果</a:t>
-            </a:r>
-            <a:r>
-              <a:rPr lang="zh-CN" altLang="zh-CN" sz="1200" kern="1200" dirty="0" smtClean="0">
+              <a:t>算法对森林监控视频的运动目标检测能到较好效果，</a:t>
+            </a:r>
+            <a:r>
+              <a:rPr lang="zh-CN" altLang="en-US" sz="1200" kern="1200" dirty="0" smtClean="0">
                 <a:solidFill>
                   <a:schemeClr val="tx1"/>
                 </a:solidFill>
@@ -7589,10 +7495,10 @@
                 <a:ea typeface="+mn-ea"/>
                 <a:cs typeface="+mn-cs"/>
               </a:rPr>
-              <a:t>，</a:t>
-            </a:r>
-            <a:r>
-              <a:rPr lang="zh-CN" altLang="en-US" sz="1200" kern="1200" dirty="0" smtClean="0">
+              <a:t>对</a:t>
+            </a:r>
+            <a:r>
+              <a:rPr lang="zh-CN" altLang="zh-CN" sz="1200" kern="1200" dirty="0" smtClean="0">
                 <a:solidFill>
                   <a:schemeClr val="tx1"/>
                 </a:solidFill>
@@ -7601,10 +7507,10 @@
                 <a:ea typeface="+mn-ea"/>
                 <a:cs typeface="+mn-cs"/>
               </a:rPr>
-              <a:t>对</a:t>
-            </a:r>
-            <a:r>
-              <a:rPr lang="zh-CN" altLang="zh-CN" sz="1200" kern="1200" dirty="0" smtClean="0">
+              <a:t>像素</a:t>
+            </a:r>
+            <a:r>
+              <a:rPr lang="zh-CN" altLang="en-US" sz="1200" kern="1200" dirty="0" smtClean="0">
                 <a:solidFill>
                   <a:schemeClr val="tx1"/>
                 </a:solidFill>
@@ -7613,10 +7519,10 @@
                 <a:ea typeface="+mn-ea"/>
                 <a:cs typeface="+mn-cs"/>
               </a:rPr>
-              <a:t>像素</a:t>
-            </a:r>
-            <a:r>
-              <a:rPr lang="zh-CN" altLang="en-US" sz="1200" kern="1200" dirty="0" smtClean="0">
+              <a:t>大小为</a:t>
+            </a:r>
+            <a:r>
+              <a:rPr lang="en-US" altLang="zh-CN" sz="1200" kern="1200" dirty="0" smtClean="0">
                 <a:solidFill>
                   <a:schemeClr val="tx1"/>
                 </a:solidFill>
@@ -7625,10 +7531,10 @@
                 <a:ea typeface="+mn-ea"/>
                 <a:cs typeface="+mn-cs"/>
               </a:rPr>
-              <a:t>大小为</a:t>
-            </a:r>
-            <a:r>
-              <a:rPr lang="en-US" altLang="zh-CN" sz="1200" kern="1200" dirty="0" smtClean="0">
+              <a:t>320×240 </a:t>
+            </a:r>
+            <a:r>
+              <a:rPr lang="zh-CN" altLang="zh-CN" sz="1200" kern="1200" dirty="0" smtClean="0">
                 <a:solidFill>
                   <a:schemeClr val="tx1"/>
                 </a:solidFill>
@@ -7637,10 +7543,10 @@
                 <a:ea typeface="+mn-ea"/>
                 <a:cs typeface="+mn-cs"/>
               </a:rPr>
-              <a:t>320×240 </a:t>
-            </a:r>
-            <a:r>
-              <a:rPr lang="zh-CN" altLang="zh-CN" sz="1200" kern="1200" dirty="0" smtClean="0">
+              <a:t>的</a:t>
+            </a:r>
+            <a:r>
+              <a:rPr lang="zh-CN" altLang="en-US" sz="1200" kern="1200" dirty="0" smtClean="0">
                 <a:solidFill>
                   <a:schemeClr val="tx1"/>
                 </a:solidFill>
@@ -7649,10 +7555,10 @@
                 <a:ea typeface="+mn-ea"/>
                 <a:cs typeface="+mn-cs"/>
               </a:rPr>
-              <a:t>的</a:t>
-            </a:r>
-            <a:r>
-              <a:rPr lang="zh-CN" altLang="en-US" sz="1200" kern="1200" dirty="0" smtClean="0">
+              <a:t>视频</a:t>
+            </a:r>
+            <a:r>
+              <a:rPr lang="zh-CN" altLang="zh-CN" sz="1200" kern="1200" dirty="0" smtClean="0">
                 <a:solidFill>
                   <a:schemeClr val="tx1"/>
                 </a:solidFill>
@@ -7661,10 +7567,10 @@
                 <a:ea typeface="+mn-ea"/>
                 <a:cs typeface="+mn-cs"/>
               </a:rPr>
-              <a:t>视频</a:t>
-            </a:r>
-            <a:r>
-              <a:rPr lang="zh-CN" altLang="zh-CN" sz="1200" kern="1200" dirty="0" smtClean="0">
+              <a:t>进行处理，</a:t>
+            </a:r>
+            <a:r>
+              <a:rPr lang="en-US" altLang="zh-CN" sz="1200" kern="1200" dirty="0" smtClean="0">
                 <a:solidFill>
                   <a:schemeClr val="tx1"/>
                 </a:solidFill>
@@ -7673,7 +7579,7 @@
                 <a:ea typeface="+mn-ea"/>
                 <a:cs typeface="+mn-cs"/>
               </a:rPr>
-              <a:t>进行</a:t>
+              <a:t>VIBE</a:t>
             </a:r>
             <a:r>
               <a:rPr lang="zh-CN" altLang="zh-CN" sz="1200" kern="1200" dirty="0" smtClean="0">
@@ -7685,7 +7591,7 @@
                 <a:ea typeface="+mn-ea"/>
                 <a:cs typeface="+mn-cs"/>
               </a:rPr>
-              <a:t>处理，</a:t>
+              <a:t>算法平均每帧图像的处理时间为</a:t>
             </a:r>
             <a:r>
               <a:rPr lang="en-US" altLang="zh-CN" sz="1200" kern="1200" dirty="0" smtClean="0">
@@ -7697,7 +7603,7 @@
                 <a:ea typeface="+mn-ea"/>
                 <a:cs typeface="+mn-cs"/>
               </a:rPr>
-              <a:t>VIBE</a:t>
+              <a:t>70.233ms</a:t>
             </a:r>
             <a:r>
               <a:rPr lang="zh-CN" altLang="zh-CN" sz="1200" kern="1200" dirty="0" smtClean="0">
@@ -7709,67 +7615,7 @@
                 <a:ea typeface="+mn-ea"/>
                 <a:cs typeface="+mn-cs"/>
               </a:rPr>
-              <a:t>算法平均</a:t>
-            </a:r>
-            <a:r>
-              <a:rPr lang="zh-CN" altLang="zh-CN" sz="1200" kern="1200" dirty="0" smtClean="0">
-                <a:solidFill>
-                  <a:schemeClr val="tx1"/>
-                </a:solidFill>
-                <a:effectLst/>
-                <a:latin typeface="+mn-lt"/>
-                <a:ea typeface="+mn-ea"/>
-                <a:cs typeface="+mn-cs"/>
-              </a:rPr>
-              <a:t>每帧图像的处理时间为</a:t>
-            </a:r>
-            <a:r>
-              <a:rPr lang="en-US" altLang="zh-CN" sz="1200" kern="1200" dirty="0" smtClean="0">
-                <a:solidFill>
-                  <a:schemeClr val="tx1"/>
-                </a:solidFill>
-                <a:effectLst/>
-                <a:latin typeface="+mn-lt"/>
-                <a:ea typeface="+mn-ea"/>
-                <a:cs typeface="+mn-cs"/>
-              </a:rPr>
-              <a:t>70.233ms</a:t>
-            </a:r>
-            <a:r>
-              <a:rPr lang="zh-CN" altLang="zh-CN" sz="1200" kern="1200" dirty="0" smtClean="0">
-                <a:solidFill>
-                  <a:schemeClr val="tx1"/>
-                </a:solidFill>
-                <a:effectLst/>
-                <a:latin typeface="+mn-lt"/>
-                <a:ea typeface="+mn-ea"/>
-                <a:cs typeface="+mn-cs"/>
-              </a:rPr>
-              <a:t>，与其他</a:t>
-            </a:r>
-            <a:r>
-              <a:rPr lang="zh-CN" altLang="zh-CN" sz="1200" kern="1200" dirty="0" smtClean="0">
-                <a:solidFill>
-                  <a:schemeClr val="tx1"/>
-                </a:solidFill>
-                <a:effectLst/>
-                <a:latin typeface="+mn-lt"/>
-                <a:ea typeface="+mn-ea"/>
-                <a:cs typeface="+mn-cs"/>
-              </a:rPr>
-              <a:t>典型算法</a:t>
-            </a:r>
-            <a:r>
-              <a:rPr lang="zh-CN" altLang="zh-CN" sz="1200" kern="1200" dirty="0" smtClean="0">
-                <a:solidFill>
-                  <a:schemeClr val="tx1"/>
-                </a:solidFill>
-                <a:effectLst/>
-                <a:latin typeface="+mn-lt"/>
-                <a:ea typeface="+mn-ea"/>
-                <a:cs typeface="+mn-cs"/>
-              </a:rPr>
-              <a:t>的处理速度对比结果如表所示。</a:t>
+              <a:t>，与其他典型算法的处理速度对比结果如表所示。</a:t>
             </a:r>
             <a:endParaRPr lang="en-US" altLang="zh-CN" sz="1200" kern="1200" dirty="0" smtClean="0">
               <a:solidFill>
@@ -7833,10 +7679,10 @@
                 <a:ea typeface="+mn-ea"/>
                 <a:cs typeface="+mn-cs"/>
               </a:rPr>
-              <a:t>对</a:t>
-            </a:r>
-            <a:r>
-              <a:rPr lang="zh-CN" altLang="zh-CN" sz="1200" kern="1200" dirty="0" smtClean="0">
+              <a:t>对场景变化的适应能力进行实验，实验结果表明在场景转换过程中</a:t>
+            </a:r>
+            <a:r>
+              <a:rPr lang="en-US" altLang="zh-CN" sz="1200" kern="1200" dirty="0" smtClean="0">
                 <a:solidFill>
                   <a:schemeClr val="tx1"/>
                 </a:solidFill>
@@ -7845,10 +7691,10 @@
                 <a:ea typeface="+mn-ea"/>
                 <a:cs typeface="+mn-cs"/>
               </a:rPr>
-              <a:t>场景变化的适应能力进行实验，实验结果表明在场景转换过程中</a:t>
-            </a:r>
-            <a:r>
-              <a:rPr lang="en-US" altLang="zh-CN" sz="1200" kern="1200" dirty="0" smtClean="0">
+              <a:t>VIBE</a:t>
+            </a:r>
+            <a:r>
+              <a:rPr lang="zh-CN" altLang="zh-CN" sz="1200" kern="1200" dirty="0" smtClean="0">
                 <a:solidFill>
                   <a:schemeClr val="tx1"/>
                 </a:solidFill>
@@ -7857,10 +7703,10 @@
                 <a:ea typeface="+mn-ea"/>
                 <a:cs typeface="+mn-cs"/>
               </a:rPr>
-              <a:t>VIBE</a:t>
-            </a:r>
-            <a:r>
-              <a:rPr lang="zh-CN" altLang="zh-CN" sz="1200" kern="1200" dirty="0" smtClean="0">
+              <a:t>算法将大量非运动点误检为运动点，经过</a:t>
+            </a:r>
+            <a:r>
+              <a:rPr lang="en-US" altLang="zh-CN" sz="1200" kern="1200" dirty="0" smtClean="0">
                 <a:solidFill>
                   <a:schemeClr val="tx1"/>
                 </a:solidFill>
@@ -7869,7 +7715,7 @@
                 <a:ea typeface="+mn-ea"/>
                 <a:cs typeface="+mn-cs"/>
               </a:rPr>
-              <a:t>算法</a:t>
+              <a:t>178</a:t>
             </a:r>
             <a:r>
               <a:rPr lang="zh-CN" altLang="zh-CN" sz="1200" kern="1200" dirty="0" smtClean="0">
@@ -7881,7 +7727,7 @@
                 <a:ea typeface="+mn-ea"/>
                 <a:cs typeface="+mn-cs"/>
               </a:rPr>
-              <a:t>将大量非运动点误检为运动点，经过</a:t>
+              <a:t>帧图像后</a:t>
             </a:r>
             <a:r>
               <a:rPr lang="en-US" altLang="zh-CN" sz="1200" kern="1200" dirty="0" smtClean="0">
@@ -7893,10 +7739,10 @@
                 <a:ea typeface="+mn-ea"/>
                 <a:cs typeface="+mn-cs"/>
               </a:rPr>
-              <a:t>178</a:t>
-            </a:r>
-            <a:r>
-              <a:rPr lang="zh-CN" altLang="zh-CN" sz="1200" kern="1200" dirty="0" smtClean="0">
+              <a:t>VIBE</a:t>
+            </a:r>
+            <a:r>
+              <a:rPr lang="zh-CN" altLang="en-US" sz="1200" kern="1200" dirty="0" smtClean="0">
                 <a:solidFill>
                   <a:schemeClr val="tx1"/>
                 </a:solidFill>
@@ -7905,10 +7751,10 @@
                 <a:ea typeface="+mn-ea"/>
                 <a:cs typeface="+mn-cs"/>
               </a:rPr>
-              <a:t>帧图像后</a:t>
-            </a:r>
-            <a:r>
-              <a:rPr lang="en-US" altLang="zh-CN" sz="1200" kern="1200" dirty="0" smtClean="0">
+              <a:t>算法基本</a:t>
+            </a:r>
+            <a:r>
+              <a:rPr lang="zh-CN" altLang="zh-CN" sz="1200" kern="1200" dirty="0" smtClean="0">
                 <a:solidFill>
                   <a:schemeClr val="tx1"/>
                 </a:solidFill>
@@ -7917,43 +7763,7 @@
                 <a:ea typeface="+mn-ea"/>
                 <a:cs typeface="+mn-cs"/>
               </a:rPr>
-              <a:t>VIBE</a:t>
-            </a:r>
-            <a:r>
-              <a:rPr lang="zh-CN" altLang="en-US" sz="1200" kern="1200" dirty="0" smtClean="0">
-                <a:solidFill>
-                  <a:schemeClr val="tx1"/>
-                </a:solidFill>
-                <a:effectLst/>
-                <a:latin typeface="+mn-lt"/>
-                <a:ea typeface="+mn-ea"/>
-                <a:cs typeface="+mn-cs"/>
-              </a:rPr>
-              <a:t>算法基本</a:t>
-            </a:r>
-            <a:r>
-              <a:rPr lang="zh-CN" altLang="zh-CN" sz="1200" kern="1200" dirty="0" smtClean="0">
-                <a:solidFill>
-                  <a:schemeClr val="tx1"/>
-                </a:solidFill>
-                <a:effectLst/>
-                <a:latin typeface="+mn-lt"/>
-                <a:ea typeface="+mn-ea"/>
-                <a:cs typeface="+mn-cs"/>
-              </a:rPr>
-              <a:t>能恢复</a:t>
-            </a:r>
-            <a:r>
-              <a:rPr lang="zh-CN" altLang="zh-CN" sz="1200" kern="1200" dirty="0" smtClean="0">
-                <a:solidFill>
-                  <a:schemeClr val="tx1"/>
-                </a:solidFill>
-                <a:effectLst/>
-                <a:latin typeface="+mn-lt"/>
-                <a:ea typeface="+mn-ea"/>
-                <a:cs typeface="+mn-cs"/>
-              </a:rPr>
-              <a:t>正常检测。</a:t>
+              <a:t>能恢复正常检测。</a:t>
             </a:r>
           </a:p>
           <a:p>
@@ -8814,10 +8624,10 @@
                 <a:ea typeface="+mn-ea"/>
                 <a:cs typeface="+mn-cs"/>
               </a:rPr>
-              <a:t>在相同实验条件下对相同的火灾监控</a:t>
-            </a:r>
-            <a:r>
-              <a:rPr lang="zh-CN" altLang="zh-CN" sz="1200" kern="1200" dirty="0" smtClean="0">
+              <a:t>在相同实验条件下对相同的火灾监控视频</a:t>
+            </a:r>
+            <a:r>
+              <a:rPr lang="zh-CN" altLang="en-US" sz="1200" kern="1200" dirty="0" smtClean="0">
                 <a:solidFill>
                   <a:schemeClr val="tx1"/>
                 </a:solidFill>
@@ -8826,10 +8636,10 @@
                 <a:ea typeface="+mn-ea"/>
                 <a:cs typeface="+mn-cs"/>
               </a:rPr>
-              <a:t>视频</a:t>
-            </a:r>
-            <a:r>
-              <a:rPr lang="zh-CN" altLang="en-US" sz="1200" kern="1200" dirty="0" smtClean="0">
+              <a:t>采用不同算法</a:t>
+            </a:r>
+            <a:r>
+              <a:rPr lang="zh-CN" altLang="zh-CN" sz="1200" kern="1200" dirty="0" smtClean="0">
                 <a:solidFill>
                   <a:schemeClr val="tx1"/>
                 </a:solidFill>
@@ -8838,10 +8648,10 @@
                 <a:ea typeface="+mn-ea"/>
                 <a:cs typeface="+mn-cs"/>
               </a:rPr>
-              <a:t>采用不同算法</a:t>
-            </a:r>
-            <a:r>
-              <a:rPr lang="zh-CN" altLang="zh-CN" sz="1200" kern="1200" dirty="0" smtClean="0">
+              <a:t>进行运动检测，平均每帧图像耗时结果如表所示，实验结果显示改进后的</a:t>
+            </a:r>
+            <a:r>
+              <a:rPr lang="en-US" altLang="zh-CN" sz="1200" kern="1200" dirty="0" smtClean="0">
                 <a:solidFill>
                   <a:schemeClr val="tx1"/>
                 </a:solidFill>
@@ -8850,7 +8660,7 @@
                 <a:ea typeface="+mn-ea"/>
                 <a:cs typeface="+mn-cs"/>
               </a:rPr>
-              <a:t>进行运动</a:t>
+              <a:t>VIBE</a:t>
             </a:r>
             <a:r>
               <a:rPr lang="zh-CN" altLang="zh-CN" sz="1200" kern="1200" dirty="0" smtClean="0">
@@ -8862,7 +8672,7 @@
                 <a:ea typeface="+mn-ea"/>
                 <a:cs typeface="+mn-cs"/>
               </a:rPr>
-              <a:t>检测，平均每帧图像耗时结果如表所示，实验结果显示改进后的</a:t>
+              <a:t>算法对每帧图像的处理时间约为</a:t>
             </a:r>
             <a:r>
               <a:rPr lang="en-US" altLang="zh-CN" sz="1200" kern="1200" dirty="0" smtClean="0">
@@ -8874,7 +8684,7 @@
                 <a:ea typeface="+mn-ea"/>
                 <a:cs typeface="+mn-cs"/>
               </a:rPr>
-              <a:t>VIBE</a:t>
+              <a:t>62ms</a:t>
             </a:r>
             <a:r>
               <a:rPr lang="zh-CN" altLang="zh-CN" sz="1200" kern="1200" dirty="0" smtClean="0">
@@ -8886,7 +8696,7 @@
                 <a:ea typeface="+mn-ea"/>
                 <a:cs typeface="+mn-cs"/>
               </a:rPr>
-              <a:t>算法对每帧图像的处理时间约为</a:t>
+              <a:t>，相较于</a:t>
             </a:r>
             <a:r>
               <a:rPr lang="en-US" altLang="zh-CN" sz="1200" kern="1200" dirty="0" smtClean="0">
@@ -8898,7 +8708,7 @@
                 <a:ea typeface="+mn-ea"/>
                 <a:cs typeface="+mn-cs"/>
               </a:rPr>
-              <a:t>62ms</a:t>
+              <a:t>VIBE</a:t>
             </a:r>
             <a:r>
               <a:rPr lang="zh-CN" altLang="zh-CN" sz="1200" kern="1200" dirty="0" smtClean="0">
@@ -8910,10 +8720,12 @@
                 <a:ea typeface="+mn-ea"/>
                 <a:cs typeface="+mn-cs"/>
               </a:rPr>
-              <a:t>，相较于</a:t>
-            </a:r>
-            <a:r>
-              <a:rPr lang="en-US" altLang="zh-CN" sz="1200" kern="1200" dirty="0" smtClean="0">
+              <a:t>算法有了部分提高。</a:t>
+            </a:r>
+          </a:p>
+          <a:p>
+            <a:r>
+              <a:rPr lang="zh-CN" altLang="en-US" sz="1200" kern="1200" dirty="0" smtClean="0">
                 <a:solidFill>
                   <a:schemeClr val="tx1"/>
                 </a:solidFill>
@@ -8922,7 +8734,7 @@
                 <a:ea typeface="+mn-ea"/>
                 <a:cs typeface="+mn-cs"/>
               </a:rPr>
-              <a:t>VIBE</a:t>
+              <a:t>同样</a:t>
             </a:r>
             <a:r>
               <a:rPr lang="zh-CN" altLang="zh-CN" sz="1200" kern="1200" dirty="0" smtClean="0">
@@ -8934,57 +8746,7 @@
                 <a:ea typeface="+mn-ea"/>
                 <a:cs typeface="+mn-cs"/>
               </a:rPr>
-              <a:t>算法有了部分提高。</a:t>
-            </a:r>
-          </a:p>
-          <a:p>
-            <a:r>
-              <a:rPr lang="zh-CN" altLang="en-US" sz="1200" kern="1200" dirty="0" smtClean="0">
-                <a:solidFill>
-                  <a:schemeClr val="tx1"/>
-                </a:solidFill>
-                <a:effectLst/>
-                <a:latin typeface="+mn-lt"/>
-                <a:ea typeface="+mn-ea"/>
-                <a:cs typeface="+mn-cs"/>
-              </a:rPr>
-              <a:t>同样</a:t>
-            </a:r>
-            <a:r>
-              <a:rPr lang="zh-CN" altLang="zh-CN" sz="1200" kern="1200" dirty="0" smtClean="0">
-                <a:solidFill>
-                  <a:schemeClr val="tx1"/>
-                </a:solidFill>
-                <a:effectLst/>
-                <a:latin typeface="+mn-lt"/>
-                <a:ea typeface="+mn-ea"/>
-                <a:cs typeface="+mn-cs"/>
-              </a:rPr>
-              <a:t>在相同实验条件下对</a:t>
-            </a:r>
-            <a:r>
-              <a:rPr lang="zh-CN" altLang="zh-CN" sz="1200" kern="1200" dirty="0" smtClean="0">
-                <a:solidFill>
-                  <a:schemeClr val="tx1"/>
-                </a:solidFill>
-                <a:effectLst/>
-                <a:latin typeface="+mn-lt"/>
-                <a:ea typeface="+mn-ea"/>
-                <a:cs typeface="+mn-cs"/>
-              </a:rPr>
-              <a:t>不同算法</a:t>
-            </a:r>
-            <a:r>
-              <a:rPr lang="zh-CN" altLang="zh-CN" sz="1200" kern="1200" dirty="0" smtClean="0">
-                <a:solidFill>
-                  <a:schemeClr val="tx1"/>
-                </a:solidFill>
-                <a:effectLst/>
-                <a:latin typeface="+mn-lt"/>
-                <a:ea typeface="+mn-ea"/>
-                <a:cs typeface="+mn-cs"/>
-              </a:rPr>
-              <a:t>对视频场景变化的适应能力进行实验。不同算法在场景变化后能完全适应背景常见变化平均所需图像帧数与总时间的实验结果数据如表所示，实验结果表明改进后</a:t>
+              <a:t>在相同实验条件下对不同算法对视频场景变化的适应能力进行实验。不同算法在场景变化后能完全适应背景常见变化平均所需图像帧数与总时间的实验结果数据如表所示，实验结果表明改进后</a:t>
             </a:r>
             <a:r>
               <a:rPr lang="en-US" altLang="zh-CN" sz="1200" kern="1200" dirty="0" smtClean="0">
@@ -11802,19 +11564,7 @@
                 <a:ea typeface="+mn-ea"/>
                 <a:cs typeface="+mn-cs"/>
               </a:rPr>
-              <a:t>分析</a:t>
-            </a:r>
-            <a:r>
-              <a:rPr lang="zh-CN" altLang="zh-CN" sz="1200" kern="1200" dirty="0" smtClean="0">
-                <a:solidFill>
-                  <a:schemeClr val="tx1"/>
-                </a:solidFill>
-                <a:effectLst/>
-                <a:latin typeface="+mn-lt"/>
-                <a:ea typeface="+mn-ea"/>
-                <a:cs typeface="+mn-cs"/>
-              </a:rPr>
-              <a:t>了将</a:t>
+              <a:t>分析了将</a:t>
             </a:r>
             <a:r>
               <a:rPr lang="en-US" altLang="zh-CN" sz="1200" kern="1200" dirty="0" smtClean="0">
@@ -11994,10 +11744,10 @@
                 <a:ea typeface="+mn-ea"/>
                 <a:cs typeface="+mn-cs"/>
               </a:rPr>
-              <a:t>日俄罗斯森林地区发生大型火灾，并蔓延至</a:t>
-            </a:r>
-            <a:r>
-              <a:rPr lang="zh-CN" altLang="zh-CN" sz="1200" kern="1200" dirty="0" smtClean="0">
+              <a:t>日俄罗斯森林地区发生大型火灾，并蔓延至我国大兴安岭</a:t>
+            </a:r>
+            <a:r>
+              <a:rPr lang="zh-CN" altLang="en-US" sz="1200" kern="1200" dirty="0" smtClean="0">
                 <a:solidFill>
                   <a:schemeClr val="tx1"/>
                 </a:solidFill>
@@ -12006,10 +11756,10 @@
                 <a:ea typeface="+mn-ea"/>
                 <a:cs typeface="+mn-cs"/>
               </a:rPr>
-              <a:t>我国大兴安岭</a:t>
-            </a:r>
-            <a:r>
-              <a:rPr lang="zh-CN" altLang="en-US" sz="1200" kern="1200" dirty="0" smtClean="0">
+              <a:t>，</a:t>
+            </a:r>
+            <a:r>
+              <a:rPr lang="zh-CN" altLang="zh-CN" sz="1200" kern="1200" dirty="0" smtClean="0">
                 <a:solidFill>
                   <a:schemeClr val="tx1"/>
                 </a:solidFill>
@@ -12018,10 +11768,10 @@
                 <a:ea typeface="+mn-ea"/>
                 <a:cs typeface="+mn-cs"/>
               </a:rPr>
-              <a:t>，</a:t>
-            </a:r>
-            <a:r>
-              <a:rPr lang="zh-CN" altLang="zh-CN" sz="1200" kern="1200" dirty="0" smtClean="0">
+              <a:t>造成</a:t>
+            </a:r>
+            <a:r>
+              <a:rPr lang="zh-CN" altLang="en-US" sz="1200" kern="1200" dirty="0" smtClean="0">
                 <a:solidFill>
                   <a:schemeClr val="tx1"/>
                 </a:solidFill>
@@ -12030,10 +11780,10 @@
                 <a:ea typeface="+mn-ea"/>
                 <a:cs typeface="+mn-cs"/>
               </a:rPr>
-              <a:t>造成</a:t>
-            </a:r>
-            <a:r>
-              <a:rPr lang="zh-CN" altLang="en-US" sz="1200" kern="1200" dirty="0" smtClean="0">
+              <a:t>该</a:t>
+            </a:r>
+            <a:r>
+              <a:rPr lang="zh-CN" altLang="zh-CN" sz="1200" kern="1200" dirty="0" smtClean="0">
                 <a:solidFill>
                   <a:schemeClr val="tx1"/>
                 </a:solidFill>
@@ -12042,10 +11792,10 @@
                 <a:ea typeface="+mn-ea"/>
                 <a:cs typeface="+mn-cs"/>
               </a:rPr>
-              <a:t>该</a:t>
-            </a:r>
-            <a:r>
-              <a:rPr lang="zh-CN" altLang="zh-CN" sz="1200" kern="1200" dirty="0" smtClean="0">
+              <a:t>地区的又一次重大火灾事件，</a:t>
+            </a:r>
+            <a:r>
+              <a:rPr lang="zh-CN" altLang="en-US" sz="1200" kern="1200" dirty="0" smtClean="0">
                 <a:solidFill>
                   <a:schemeClr val="tx1"/>
                 </a:solidFill>
@@ -12054,43 +11804,7 @@
                 <a:ea typeface="+mn-ea"/>
                 <a:cs typeface="+mn-cs"/>
               </a:rPr>
-              <a:t>地区</a:t>
-            </a:r>
-            <a:r>
-              <a:rPr lang="zh-CN" altLang="zh-CN" sz="1200" kern="1200" dirty="0" smtClean="0">
-                <a:solidFill>
-                  <a:schemeClr val="tx1"/>
-                </a:solidFill>
-                <a:effectLst/>
-                <a:latin typeface="+mn-lt"/>
-                <a:ea typeface="+mn-ea"/>
-                <a:cs typeface="+mn-cs"/>
-              </a:rPr>
-              <a:t>的又一次重大火灾事件，</a:t>
-            </a:r>
-            <a:r>
-              <a:rPr lang="zh-CN" altLang="en-US" sz="1200" kern="1200" dirty="0" smtClean="0">
-                <a:solidFill>
-                  <a:schemeClr val="tx1"/>
-                </a:solidFill>
-                <a:effectLst/>
-                <a:latin typeface="+mn-lt"/>
-                <a:ea typeface="+mn-ea"/>
-                <a:cs typeface="+mn-cs"/>
-              </a:rPr>
-              <a:t>历经一个星期左右的时间才实现火灾的全线合围</a:t>
-            </a:r>
-            <a:r>
-              <a:rPr lang="zh-CN" altLang="en-US" sz="1200" kern="1200" dirty="0" smtClean="0">
-                <a:solidFill>
-                  <a:schemeClr val="tx1"/>
-                </a:solidFill>
-                <a:effectLst/>
-                <a:latin typeface="+mn-lt"/>
-                <a:ea typeface="+mn-ea"/>
-                <a:cs typeface="+mn-cs"/>
-              </a:rPr>
-              <a:t>，</a:t>
+              <a:t>历经一个星期左右的时间才实现火灾的全线合围，</a:t>
             </a:r>
             <a:r>
               <a:rPr lang="en-US" altLang="zh-CN" sz="1200" kern="1200" dirty="0" smtClean="0">
@@ -13123,7 +12837,7 @@
                 </a:solidFill>
               </a:rPr>
               <a:pPr/>
-              <a:t>2018/4/10</a:t>
+              <a:t>2018/4/11</a:t>
             </a:fld>
             <a:endParaRPr lang="zh-CN" altLang="en-US">
               <a:solidFill>
@@ -13335,7 +13049,7 @@
                 </a:solidFill>
               </a:rPr>
               <a:pPr/>
-              <a:t>2018/4/10</a:t>
+              <a:t>2018/4/11</a:t>
             </a:fld>
             <a:endParaRPr lang="zh-CN" altLang="en-US">
               <a:solidFill>
@@ -13537,7 +13251,7 @@
                 </a:solidFill>
               </a:rPr>
               <a:pPr/>
-              <a:t>2018/4/10</a:t>
+              <a:t>2018/4/11</a:t>
             </a:fld>
             <a:endParaRPr lang="zh-CN" altLang="en-US">
               <a:solidFill>
@@ -13815,7 +13529,7 @@
                 </a:solidFill>
               </a:rPr>
               <a:pPr/>
-              <a:t>2018/4/10</a:t>
+              <a:t>2018/4/11</a:t>
             </a:fld>
             <a:endParaRPr lang="zh-CN" altLang="en-US">
               <a:solidFill>
@@ -14135,7 +13849,7 @@
                 </a:solidFill>
               </a:rPr>
               <a:pPr/>
-              <a:t>2018/4/10</a:t>
+              <a:t>2018/4/11</a:t>
             </a:fld>
             <a:endParaRPr lang="zh-CN" altLang="en-US">
               <a:solidFill>
@@ -14589,7 +14303,7 @@
                 </a:solidFill>
               </a:rPr>
               <a:pPr/>
-              <a:t>2018/4/10</a:t>
+              <a:t>2018/4/11</a:t>
             </a:fld>
             <a:endParaRPr lang="zh-CN" altLang="en-US">
               <a:solidFill>
@@ -14739,7 +14453,7 @@
                 </a:solidFill>
               </a:rPr>
               <a:pPr/>
-              <a:t>2018/4/10</a:t>
+              <a:t>2018/4/11</a:t>
             </a:fld>
             <a:endParaRPr lang="zh-CN" altLang="en-US">
               <a:solidFill>
@@ -14866,7 +14580,7 @@
                 </a:solidFill>
               </a:rPr>
               <a:pPr/>
-              <a:t>2018/4/10</a:t>
+              <a:t>2018/4/11</a:t>
             </a:fld>
             <a:endParaRPr lang="zh-CN" altLang="en-US">
               <a:solidFill>
@@ -15175,7 +14889,7 @@
                 </a:solidFill>
               </a:rPr>
               <a:pPr/>
-              <a:t>2018/4/10</a:t>
+              <a:t>2018/4/11</a:t>
             </a:fld>
             <a:endParaRPr lang="zh-CN" altLang="en-US">
               <a:solidFill>
@@ -15460,7 +15174,7 @@
                 </a:solidFill>
               </a:rPr>
               <a:pPr/>
-              <a:t>2018/4/10</a:t>
+              <a:t>2018/4/11</a:t>
             </a:fld>
             <a:endParaRPr lang="zh-CN" altLang="en-US">
               <a:solidFill>
@@ -15705,7 +15419,7 @@
                 </a:solidFill>
               </a:rPr>
               <a:pPr/>
-              <a:t>2018/4/10</a:t>
+              <a:t>2018/4/11</a:t>
             </a:fld>
             <a:endParaRPr lang="zh-CN" altLang="en-US">
               <a:solidFill>
@@ -20343,12 +20057,12 @@
           <a:graphicData uri="http://schemas.openxmlformats.org/presentationml/2006/ole">
             <mc:AlternateContent xmlns:mc="http://schemas.openxmlformats.org/markup-compatibility/2006">
               <mc:Choice xmlns:v="urn:schemas-microsoft-com:vml" Requires="v">
-                <p:oleObj spid="_x0000_s12960" name="文档" r:id="rId4" imgW="5305693" imgH="3086383" progId="Word.Document.12">
+                <p:oleObj spid="_x0000_s12996" name="文档" r:id="rId5" imgW="5305693" imgH="3086383" progId="Word.Document.12">
                   <p:embed/>
                 </p:oleObj>
               </mc:Choice>
               <mc:Fallback>
-                <p:oleObj name="文档" r:id="rId4" imgW="5305693" imgH="3086383" progId="Word.Document.12">
+                <p:oleObj name="文档" r:id="rId5" imgW="5305693" imgH="3086383" progId="Word.Document.12">
                   <p:embed/>
                   <p:pic>
                     <p:nvPicPr>
@@ -20359,7 +20073,7 @@
                       <p:nvPr/>
                     </p:nvPicPr>
                     <p:blipFill>
-                      <a:blip r:embed="rId5">
+                      <a:blip r:embed="rId6">
                         <a:extLst>
                           <a:ext uri="{28A0092B-C50C-407E-A947-70E740481C1C}">
                             <a14:useLocalDpi xmlns:a14="http://schemas.microsoft.com/office/drawing/2010/main" val="0"/>
@@ -20410,12 +20124,12 @@
           <a:graphicData uri="http://schemas.openxmlformats.org/presentationml/2006/ole">
             <mc:AlternateContent xmlns:mc="http://schemas.openxmlformats.org/markup-compatibility/2006">
               <mc:Choice xmlns:v="urn:schemas-microsoft-com:vml" Requires="v">
-                <p:oleObj spid="_x0000_s12961" name="文档" r:id="rId6" imgW="5274753" imgH="1627618" progId="Word.Document.12">
+                <p:oleObj spid="_x0000_s12997" name="文档" r:id="rId8" imgW="5274753" imgH="1627618" progId="Word.Document.12">
                   <p:embed/>
                 </p:oleObj>
               </mc:Choice>
               <mc:Fallback>
-                <p:oleObj name="文档" r:id="rId6" imgW="5274753" imgH="1627618" progId="Word.Document.12">
+                <p:oleObj name="文档" r:id="rId8" imgW="5274753" imgH="1627618" progId="Word.Document.12">
                   <p:embed/>
                   <p:pic>
                     <p:nvPicPr>
@@ -20424,7 +20138,7 @@
                       <p:nvPr/>
                     </p:nvPicPr>
                     <p:blipFill>
-                      <a:blip r:embed="rId7"/>
+                      <a:blip r:embed="rId9"/>
                       <a:stretch>
                         <a:fillRect/>
                       </a:stretch>
@@ -22742,7 +22456,7 @@
           <a:graphicData uri="http://schemas.openxmlformats.org/presentationml/2006/ole">
             <mc:AlternateContent xmlns:mc="http://schemas.openxmlformats.org/markup-compatibility/2006">
               <mc:Choice xmlns:v="urn:schemas-microsoft-com:vml" Requires="v">
-                <p:oleObj spid="_x0000_s3465" name="Equation" r:id="rId4" imgW="622080" imgH="393480" progId="Equation.DSMT4">
+                <p:oleObj spid="_x0000_s3483" name="Equation" r:id="rId4" imgW="622080" imgH="393480" progId="Equation.DSMT4">
                   <p:embed/>
                 </p:oleObj>
               </mc:Choice>
@@ -25944,7 +25658,7 @@
           <a:graphicData uri="http://schemas.openxmlformats.org/presentationml/2006/ole">
             <mc:AlternateContent xmlns:mc="http://schemas.openxmlformats.org/markup-compatibility/2006">
               <mc:Choice xmlns:v="urn:schemas-microsoft-com:vml" Requires="v">
-                <p:oleObj spid="_x0000_s4465" name="Equation" r:id="rId7" imgW="469900" imgH="419100" progId="Equation.DSMT4">
+                <p:oleObj spid="_x0000_s4483" name="Equation" r:id="rId7" imgW="469900" imgH="419100" progId="Equation.DSMT4">
                   <p:embed/>
                 </p:oleObj>
               </mc:Choice>
@@ -26205,12 +25919,12 @@
           <a:graphicData uri="http://schemas.openxmlformats.org/presentationml/2006/ole">
             <mc:AlternateContent xmlns:mc="http://schemas.openxmlformats.org/markup-compatibility/2006">
               <mc:Choice xmlns:v="urn:schemas-microsoft-com:vml" Requires="v">
-                <p:oleObj spid="_x0000_s5488" name="文档" r:id="rId4" imgW="5305693" imgH="2366719" progId="Word.Document.12">
+                <p:oleObj spid="_x0000_s5506" name="文档" r:id="rId5" imgW="5305693" imgH="2366719" progId="Word.Document.12">
                   <p:embed/>
                 </p:oleObj>
               </mc:Choice>
               <mc:Fallback>
-                <p:oleObj name="文档" r:id="rId4" imgW="5305693" imgH="2366719" progId="Word.Document.12">
+                <p:oleObj name="文档" r:id="rId5" imgW="5305693" imgH="2366719" progId="Word.Document.12">
                   <p:embed/>
                   <p:pic>
                     <p:nvPicPr>
@@ -26221,7 +25935,7 @@
                       <p:nvPr/>
                     </p:nvPicPr>
                     <p:blipFill>
-                      <a:blip r:embed="rId5">
+                      <a:blip r:embed="rId6">
                         <a:extLst>
                           <a:ext uri="{28A0092B-C50C-407E-A947-70E740481C1C}">
                             <a14:useLocalDpi xmlns:a14="http://schemas.microsoft.com/office/drawing/2010/main" val="0"/>
@@ -27828,12 +27542,12 @@
           <a:graphicData uri="http://schemas.openxmlformats.org/presentationml/2006/ole">
             <mc:AlternateContent xmlns:mc="http://schemas.openxmlformats.org/markup-compatibility/2006">
               <mc:Choice xmlns:v="urn:schemas-microsoft-com:vml" Requires="v">
-                <p:oleObj spid="_x0000_s10596" name="Visio" r:id="rId4" imgW="5781743" imgH="4791165" progId="Visio.Drawing.15">
+                <p:oleObj spid="_x0000_s10614" name="Visio" r:id="rId5" imgW="5781743" imgH="4791165" progId="Visio.Drawing.15">
                   <p:embed/>
                 </p:oleObj>
               </mc:Choice>
               <mc:Fallback>
-                <p:oleObj name="Visio" r:id="rId4" imgW="5781743" imgH="4791165" progId="Visio.Drawing.15">
+                <p:oleObj name="Visio" r:id="rId5" imgW="5781743" imgH="4791165" progId="Visio.Drawing.15">
                   <p:embed/>
                   <p:pic>
                     <p:nvPicPr>
@@ -27844,7 +27558,7 @@
                       <p:nvPr/>
                     </p:nvPicPr>
                     <p:blipFill>
-                      <a:blip r:embed="rId5">
+                      <a:blip r:embed="rId6">
                         <a:extLst>
                           <a:ext uri="{28A0092B-C50C-407E-A947-70E740481C1C}">
                             <a14:useLocalDpi xmlns:a14="http://schemas.microsoft.com/office/drawing/2010/main" val="0"/>
@@ -28241,7 +27955,7 @@
           <a:graphicData uri="http://schemas.openxmlformats.org/presentationml/2006/ole">
             <mc:AlternateContent xmlns:mc="http://schemas.openxmlformats.org/markup-compatibility/2006">
               <mc:Choice xmlns:v="urn:schemas-microsoft-com:vml" Requires="v">
-                <p:oleObj spid="_x0000_s11969" name="Equation" r:id="rId4" imgW="1841500" imgH="419100" progId="Equation.DSMT4">
+                <p:oleObj spid="_x0000_s12005" name="Equation" r:id="rId4" imgW="1841500" imgH="419100" progId="Equation.DSMT4">
                   <p:embed/>
                 </p:oleObj>
               </mc:Choice>
@@ -28308,7 +28022,7 @@
           <a:graphicData uri="http://schemas.openxmlformats.org/presentationml/2006/ole">
             <mc:AlternateContent xmlns:mc="http://schemas.openxmlformats.org/markup-compatibility/2006">
               <mc:Choice xmlns:v="urn:schemas-microsoft-com:vml" Requires="v">
-                <p:oleObj spid="_x0000_s11970" name="Equation" r:id="rId6" imgW="1841500" imgH="419100" progId="Equation.DSMT4">
+                <p:oleObj spid="_x0000_s12006" name="Equation" r:id="rId6" imgW="1841500" imgH="419100" progId="Equation.DSMT4">
                   <p:embed/>
                 </p:oleObj>
               </mc:Choice>

--- a/答辩资料/基于视频分析的森林烟火识别算法研究-蔡敏v1.2.pptx
+++ b/答辩资料/基于视频分析的森林烟火识别算法研究-蔡敏v1.2.pptx
@@ -480,11 +480,11 @@
           <c:showPercent val="0"/>
           <c:showBubbleSize val="0"/>
         </c:dLbls>
-        <c:axId val="361241920"/>
-        <c:axId val="361242312"/>
+        <c:axId val="150117736"/>
+        <c:axId val="150086072"/>
       </c:scatterChart>
       <c:valAx>
-        <c:axId val="361241920"/>
+        <c:axId val="150117736"/>
         <c:scaling>
           <c:orientation val="minMax"/>
         </c:scaling>
@@ -541,12 +541,12 @@
             <a:endParaRPr lang="zh-CN"/>
           </a:p>
         </c:txPr>
-        <c:crossAx val="361242312"/>
+        <c:crossAx val="150086072"/>
         <c:crosses val="autoZero"/>
         <c:crossBetween val="midCat"/>
       </c:valAx>
       <c:valAx>
-        <c:axId val="361242312"/>
+        <c:axId val="150086072"/>
         <c:scaling>
           <c:orientation val="maxMin"/>
         </c:scaling>
@@ -603,7 +603,7 @@
             <a:endParaRPr lang="zh-CN"/>
           </a:p>
         </c:txPr>
-        <c:crossAx val="361241920"/>
+        <c:crossAx val="150117736"/>
         <c:crosses val="autoZero"/>
         <c:crossBetween val="midCat"/>
       </c:valAx>
@@ -957,11 +957,11 @@
           <c:showPercent val="0"/>
           <c:showBubbleSize val="0"/>
         </c:dLbls>
-        <c:axId val="361243096"/>
-        <c:axId val="361243488"/>
+        <c:axId val="149464560"/>
+        <c:axId val="146886704"/>
       </c:scatterChart>
       <c:valAx>
-        <c:axId val="361243096"/>
+        <c:axId val="149464560"/>
         <c:scaling>
           <c:orientation val="minMax"/>
         </c:scaling>
@@ -1018,12 +1018,12 @@
             <a:endParaRPr lang="zh-CN"/>
           </a:p>
         </c:txPr>
-        <c:crossAx val="361243488"/>
+        <c:crossAx val="146886704"/>
         <c:crosses val="autoZero"/>
         <c:crossBetween val="midCat"/>
       </c:valAx>
       <c:valAx>
-        <c:axId val="361243488"/>
+        <c:axId val="146886704"/>
         <c:scaling>
           <c:orientation val="maxMin"/>
         </c:scaling>
@@ -1080,7 +1080,7 @@
             <a:endParaRPr lang="zh-CN"/>
           </a:p>
         </c:txPr>
-        <c:crossAx val="361243096"/>
+        <c:crossAx val="149464560"/>
         <c:crosses val="autoZero"/>
         <c:crossBetween val="midCat"/>
       </c:valAx>
@@ -1543,11 +1543,11 @@
         </c:dLbls>
         <c:marker val="1"/>
         <c:smooth val="0"/>
-        <c:axId val="361244272"/>
-        <c:axId val="361244664"/>
+        <c:axId val="149276560"/>
+        <c:axId val="149276952"/>
       </c:lineChart>
       <c:catAx>
-        <c:axId val="361244272"/>
+        <c:axId val="149276560"/>
         <c:scaling>
           <c:orientation val="minMax"/>
         </c:scaling>
@@ -1646,7 +1646,7 @@
             <a:endParaRPr lang="zh-CN"/>
           </a:p>
         </c:txPr>
-        <c:crossAx val="361244664"/>
+        <c:crossAx val="149276952"/>
         <c:crosses val="autoZero"/>
         <c:auto val="1"/>
         <c:lblAlgn val="ctr"/>
@@ -1654,7 +1654,7 @@
         <c:noMultiLvlLbl val="0"/>
       </c:catAx>
       <c:valAx>
-        <c:axId val="361244664"/>
+        <c:axId val="149276952"/>
         <c:scaling>
           <c:orientation val="minMax"/>
         </c:scaling>
@@ -1761,7 +1761,7 @@
             <a:endParaRPr lang="zh-CN"/>
           </a:p>
         </c:txPr>
-        <c:crossAx val="361244272"/>
+        <c:crossAx val="149276560"/>
         <c:crosses val="autoZero"/>
         <c:crossBetween val="between"/>
       </c:valAx>
@@ -2255,11 +2255,11 @@
         </c:dLbls>
         <c:marker val="1"/>
         <c:smooth val="0"/>
-        <c:axId val="361773096"/>
-        <c:axId val="361773488"/>
+        <c:axId val="149277736"/>
+        <c:axId val="149278128"/>
       </c:lineChart>
       <c:catAx>
-        <c:axId val="361773096"/>
+        <c:axId val="149277736"/>
         <c:scaling>
           <c:orientation val="minMax"/>
         </c:scaling>
@@ -2358,7 +2358,7 @@
             <a:endParaRPr lang="zh-CN"/>
           </a:p>
         </c:txPr>
-        <c:crossAx val="361773488"/>
+        <c:crossAx val="149278128"/>
         <c:crosses val="autoZero"/>
         <c:auto val="1"/>
         <c:lblAlgn val="ctr"/>
@@ -2366,7 +2366,7 @@
         <c:noMultiLvlLbl val="0"/>
       </c:catAx>
       <c:valAx>
-        <c:axId val="361773488"/>
+        <c:axId val="149278128"/>
         <c:scaling>
           <c:orientation val="minMax"/>
           <c:min val="0.2"/>
@@ -2474,7 +2474,7 @@
             <a:endParaRPr lang="zh-CN"/>
           </a:p>
         </c:txPr>
-        <c:crossAx val="361773096"/>
+        <c:crossAx val="149277736"/>
         <c:crosses val="autoZero"/>
         <c:crossBetween val="between"/>
       </c:valAx>
@@ -5777,10 +5777,10 @@
                 <a:ea typeface="+mn-ea"/>
                 <a:cs typeface="+mn-cs"/>
               </a:rPr>
-              <a:t>，但</a:t>
-            </a:r>
-            <a:r>
-              <a:rPr lang="zh-CN" altLang="zh-CN" sz="1200" kern="1200" dirty="0" smtClean="0">
+              <a:t>，但不及</a:t>
+            </a:r>
+            <a:r>
+              <a:rPr lang="zh-CN" altLang="en-US" sz="1200" kern="1200" dirty="0" smtClean="0">
                 <a:solidFill>
                   <a:schemeClr val="tx1"/>
                 </a:solidFill>
@@ -5789,10 +5789,10 @@
                 <a:ea typeface="+mn-ea"/>
                 <a:cs typeface="+mn-cs"/>
               </a:rPr>
-              <a:t>不及</a:t>
-            </a:r>
-            <a:r>
-              <a:rPr lang="zh-CN" altLang="en-US" sz="1200" kern="1200" dirty="0" smtClean="0">
+              <a:t>直方图均衡</a:t>
+            </a:r>
+            <a:r>
+              <a:rPr lang="zh-CN" altLang="zh-CN" sz="1200" kern="1200" dirty="0" smtClean="0">
                 <a:solidFill>
                   <a:schemeClr val="tx1"/>
                 </a:solidFill>
@@ -5801,8 +5801,10 @@
                 <a:ea typeface="+mn-ea"/>
                 <a:cs typeface="+mn-cs"/>
               </a:rPr>
-              <a:t>直方图均衡</a:t>
-            </a:r>
+              <a:t>；</a:t>
+            </a:r>
+          </a:p>
+          <a:p>
             <a:r>
               <a:rPr lang="zh-CN" altLang="zh-CN" sz="1200" kern="1200" dirty="0" smtClean="0">
                 <a:solidFill>
@@ -5813,21 +5815,10 @@
                 <a:ea typeface="+mn-ea"/>
                 <a:cs typeface="+mn-cs"/>
               </a:rPr>
-              <a:t>；</a:t>
-            </a:r>
-            <a:endParaRPr lang="zh-CN" altLang="zh-CN" sz="1200" kern="1200" dirty="0" smtClean="0">
-              <a:solidFill>
-                <a:schemeClr val="tx1"/>
-              </a:solidFill>
-              <a:effectLst/>
-              <a:latin typeface="+mn-lt"/>
-              <a:ea typeface="+mn-ea"/>
-              <a:cs typeface="+mn-cs"/>
-            </a:endParaRPr>
-          </a:p>
-          <a:p>
-            <a:r>
-              <a:rPr lang="zh-CN" altLang="zh-CN" sz="1200" kern="1200" dirty="0" smtClean="0">
+              <a:t>②</a:t>
+            </a:r>
+            <a:r>
+              <a:rPr lang="zh-CN" altLang="en-US" sz="1200" kern="1200" dirty="0" smtClean="0">
                 <a:solidFill>
                   <a:schemeClr val="tx1"/>
                 </a:solidFill>
@@ -5836,10 +5827,10 @@
                 <a:ea typeface="+mn-ea"/>
                 <a:cs typeface="+mn-cs"/>
               </a:rPr>
-              <a:t>②</a:t>
-            </a:r>
-            <a:r>
-              <a:rPr lang="zh-CN" altLang="en-US" sz="1200" kern="1200" dirty="0" smtClean="0">
+              <a:t>直方图均衡</a:t>
+            </a:r>
+            <a:r>
+              <a:rPr lang="zh-CN" altLang="zh-CN" sz="1200" kern="1200" dirty="0" smtClean="0">
                 <a:solidFill>
                   <a:schemeClr val="tx1"/>
                 </a:solidFill>
@@ -5848,31 +5839,7 @@
                 <a:ea typeface="+mn-ea"/>
                 <a:cs typeface="+mn-cs"/>
               </a:rPr>
-              <a:t>直方图均衡</a:t>
-            </a:r>
-            <a:r>
-              <a:rPr lang="zh-CN" altLang="zh-CN" sz="1200" kern="1200" dirty="0" smtClean="0">
-                <a:solidFill>
-                  <a:schemeClr val="tx1"/>
-                </a:solidFill>
-                <a:effectLst/>
-                <a:latin typeface="+mn-lt"/>
-                <a:ea typeface="+mn-ea"/>
-                <a:cs typeface="+mn-cs"/>
-              </a:rPr>
-              <a:t>去</a:t>
-            </a:r>
-            <a:r>
-              <a:rPr lang="zh-CN" altLang="zh-CN" sz="1200" kern="1200" dirty="0" smtClean="0">
-                <a:solidFill>
-                  <a:schemeClr val="tx1"/>
-                </a:solidFill>
-                <a:effectLst/>
-                <a:latin typeface="+mn-lt"/>
-                <a:ea typeface="+mn-ea"/>
-                <a:cs typeface="+mn-cs"/>
-              </a:rPr>
-              <a:t>雾处理在有雾图像的彩色信息恢复方面稍弱，但对于有雾图像的对比度增强效果显著，同时</a:t>
+              <a:t>去雾处理在有雾图像的彩色信息恢复方面稍弱，但对于有雾图像的对比度增强效果显著，同时</a:t>
             </a:r>
             <a:r>
               <a:rPr lang="zh-CN" altLang="en-US" sz="1200" kern="1200" dirty="0" smtClean="0">
@@ -6094,43 +6061,7 @@
                 <a:ea typeface="+mn-ea"/>
                 <a:cs typeface="+mn-cs"/>
               </a:rPr>
-              <a:t>去</a:t>
-            </a:r>
-            <a:r>
-              <a:rPr lang="zh-CN" altLang="zh-CN" sz="1200" kern="1200" dirty="0" smtClean="0">
-                <a:solidFill>
-                  <a:schemeClr val="tx1"/>
-                </a:solidFill>
-                <a:effectLst/>
-                <a:latin typeface="+mn-lt"/>
-                <a:ea typeface="+mn-ea"/>
-                <a:cs typeface="+mn-cs"/>
-              </a:rPr>
-              <a:t>雾</a:t>
-            </a:r>
-            <a:r>
-              <a:rPr lang="zh-CN" altLang="zh-CN" sz="1200" kern="1200" dirty="0" smtClean="0">
-                <a:solidFill>
-                  <a:schemeClr val="tx1"/>
-                </a:solidFill>
-                <a:effectLst/>
-                <a:latin typeface="+mn-lt"/>
-                <a:ea typeface="+mn-ea"/>
-                <a:cs typeface="+mn-cs"/>
-              </a:rPr>
-              <a:t>算法存在</a:t>
-            </a:r>
-            <a:r>
-              <a:rPr lang="zh-CN" altLang="zh-CN" sz="1200" kern="1200" dirty="0" smtClean="0">
-                <a:solidFill>
-                  <a:schemeClr val="tx1"/>
-                </a:solidFill>
-                <a:effectLst/>
-                <a:latin typeface="+mn-lt"/>
-                <a:ea typeface="+mn-ea"/>
-                <a:cs typeface="+mn-cs"/>
-              </a:rPr>
-              <a:t>以下两点问题：</a:t>
+              <a:t>去雾算法存在以下两点问题：</a:t>
             </a:r>
             <a:endParaRPr lang="en-US" altLang="zh-CN" sz="1200" kern="1200" dirty="0" smtClean="0">
               <a:solidFill>
@@ -6601,10 +6532,10 @@
                 <a:ea typeface="+mn-ea"/>
                 <a:cs typeface="+mn-cs"/>
               </a:rPr>
-              <a:t>。对同一场景下有雾和无雾图像计算暗</a:t>
-            </a:r>
-            <a:r>
-              <a:rPr lang="zh-CN" altLang="zh-CN" sz="1200" kern="1200" dirty="0" smtClean="0">
+              <a:t>。对同一场景下有雾和无雾图像计算暗通道</a:t>
+            </a:r>
+            <a:r>
+              <a:rPr lang="zh-CN" altLang="en-US" sz="1200" kern="1200" dirty="0" smtClean="0">
                 <a:solidFill>
                   <a:schemeClr val="tx1"/>
                 </a:solidFill>
@@ -6613,10 +6544,10 @@
                 <a:ea typeface="+mn-ea"/>
                 <a:cs typeface="+mn-cs"/>
               </a:rPr>
-              <a:t>通道</a:t>
-            </a:r>
-            <a:r>
-              <a:rPr lang="zh-CN" altLang="en-US" sz="1200" kern="1200" dirty="0" smtClean="0">
+              <a:t>结果如图所示，</a:t>
+            </a:r>
+            <a:r>
+              <a:rPr lang="zh-CN" altLang="en-US" sz="1200" kern="1200" smtClean="0">
                 <a:solidFill>
                   <a:schemeClr val="tx1"/>
                 </a:solidFill>
@@ -6625,10 +6556,10 @@
                 <a:ea typeface="+mn-ea"/>
                 <a:cs typeface="+mn-cs"/>
               </a:rPr>
-              <a:t>结果如图所示，</a:t>
-            </a:r>
-            <a:r>
-              <a:rPr lang="zh-CN" altLang="en-US" sz="1200" kern="1200" smtClean="0">
+              <a:t>正常天气下的暗</a:t>
+            </a:r>
+            <a:r>
+              <a:rPr lang="zh-CN" altLang="en-US" sz="1200" kern="1200" dirty="0" smtClean="0">
                 <a:solidFill>
                   <a:schemeClr val="tx1"/>
                 </a:solidFill>
@@ -6637,10 +6568,10 @@
                 <a:ea typeface="+mn-ea"/>
                 <a:cs typeface="+mn-cs"/>
               </a:rPr>
-              <a:t>正常天气下的暗</a:t>
-            </a:r>
-            <a:r>
-              <a:rPr lang="zh-CN" altLang="en-US" sz="1200" kern="1200" dirty="0" smtClean="0">
+              <a:t>通道图颜色偏暗，</a:t>
+            </a:r>
+            <a:r>
+              <a:rPr lang="zh-CN" altLang="zh-CN" sz="1200" kern="1200" dirty="0" smtClean="0">
                 <a:solidFill>
                   <a:schemeClr val="tx1"/>
                 </a:solidFill>
@@ -6649,31 +6580,7 @@
                 <a:ea typeface="+mn-ea"/>
                 <a:cs typeface="+mn-cs"/>
               </a:rPr>
-              <a:t>通道图颜色偏暗，</a:t>
-            </a:r>
-            <a:r>
-              <a:rPr lang="zh-CN" altLang="zh-CN" sz="1200" kern="1200" dirty="0" smtClean="0">
-                <a:solidFill>
-                  <a:schemeClr val="tx1"/>
-                </a:solidFill>
-                <a:effectLst/>
-                <a:latin typeface="+mn-lt"/>
-                <a:ea typeface="+mn-ea"/>
-                <a:cs typeface="+mn-cs"/>
-              </a:rPr>
-              <a:t>在</a:t>
-            </a:r>
-            <a:r>
-              <a:rPr lang="zh-CN" altLang="zh-CN" sz="1200" kern="1200" dirty="0" smtClean="0">
-                <a:solidFill>
-                  <a:schemeClr val="tx1"/>
-                </a:solidFill>
-                <a:effectLst/>
-                <a:latin typeface="+mn-lt"/>
-                <a:ea typeface="+mn-ea"/>
-                <a:cs typeface="+mn-cs"/>
-              </a:rPr>
-              <a:t>雾霾天气下拍摄的图像对应的暗通道图像像素值较高，因此可以利用阈值分割对有雾场景和无雾场景进行区分。</a:t>
+              <a:t>在雾霾天气下拍摄的图像对应的暗通道图像像素值较高，因此可以利用阈值分割对有雾场景和无雾场景进行区分。</a:t>
             </a:r>
             <a:endParaRPr lang="en-US" altLang="zh-CN" sz="1200" kern="1200" dirty="0" smtClean="0">
               <a:solidFill>
@@ -7268,31 +7175,7 @@
                 <a:ea typeface="+mn-ea"/>
                 <a:cs typeface="+mn-cs"/>
               </a:rPr>
-              <a:t>运动分割的目标是从视频图像序列中将像素值发生变化的区域从背景图像中分割出来，运动分割的准确性</a:t>
-            </a:r>
-            <a:r>
-              <a:rPr lang="zh-CN" altLang="zh-CN" sz="1200" kern="1200" dirty="0" smtClean="0">
-                <a:solidFill>
-                  <a:schemeClr val="tx1"/>
-                </a:solidFill>
-                <a:effectLst/>
-                <a:latin typeface="+mn-lt"/>
-                <a:ea typeface="+mn-ea"/>
-                <a:cs typeface="+mn-cs"/>
-              </a:rPr>
-              <a:t>对后续</a:t>
-            </a:r>
-            <a:r>
-              <a:rPr lang="zh-CN" altLang="zh-CN" sz="1200" kern="1200" dirty="0" smtClean="0">
-                <a:solidFill>
-                  <a:schemeClr val="tx1"/>
-                </a:solidFill>
-                <a:effectLst/>
-                <a:latin typeface="+mn-lt"/>
-                <a:ea typeface="+mn-ea"/>
-                <a:cs typeface="+mn-cs"/>
-              </a:rPr>
-              <a:t>的特征提取、目标分类与识别影响重大。</a:t>
+              <a:t>运动分割的目标是从视频图像序列中将像素值发生变化的区域从背景图像中分割出来，运动分割的准确性对后续的特征提取、目标分类与识别影响重大。</a:t>
             </a:r>
             <a:endParaRPr lang="en-US" altLang="zh-CN" sz="1200" kern="1200" dirty="0" smtClean="0">
               <a:solidFill>
@@ -7577,10 +7460,10 @@
                 <a:ea typeface="+mn-ea"/>
                 <a:cs typeface="+mn-cs"/>
               </a:rPr>
-              <a:t>算法对森林监控视频的运动目标检测能到较好效果</a:t>
-            </a:r>
-            <a:r>
-              <a:rPr lang="zh-CN" altLang="zh-CN" sz="1200" kern="1200" dirty="0" smtClean="0">
+              <a:t>算法对森林监控视频的运动目标检测能到较好效果，</a:t>
+            </a:r>
+            <a:r>
+              <a:rPr lang="zh-CN" altLang="en-US" sz="1200" kern="1200" dirty="0" smtClean="0">
                 <a:solidFill>
                   <a:schemeClr val="tx1"/>
                 </a:solidFill>
@@ -7589,10 +7472,10 @@
                 <a:ea typeface="+mn-ea"/>
                 <a:cs typeface="+mn-cs"/>
               </a:rPr>
-              <a:t>，</a:t>
-            </a:r>
-            <a:r>
-              <a:rPr lang="zh-CN" altLang="en-US" sz="1200" kern="1200" dirty="0" smtClean="0">
+              <a:t>对</a:t>
+            </a:r>
+            <a:r>
+              <a:rPr lang="zh-CN" altLang="zh-CN" sz="1200" kern="1200" dirty="0" smtClean="0">
                 <a:solidFill>
                   <a:schemeClr val="tx1"/>
                 </a:solidFill>
@@ -7601,10 +7484,10 @@
                 <a:ea typeface="+mn-ea"/>
                 <a:cs typeface="+mn-cs"/>
               </a:rPr>
-              <a:t>对</a:t>
-            </a:r>
-            <a:r>
-              <a:rPr lang="zh-CN" altLang="zh-CN" sz="1200" kern="1200" dirty="0" smtClean="0">
+              <a:t>像素</a:t>
+            </a:r>
+            <a:r>
+              <a:rPr lang="zh-CN" altLang="en-US" sz="1200" kern="1200" dirty="0" smtClean="0">
                 <a:solidFill>
                   <a:schemeClr val="tx1"/>
                 </a:solidFill>
@@ -7613,10 +7496,10 @@
                 <a:ea typeface="+mn-ea"/>
                 <a:cs typeface="+mn-cs"/>
               </a:rPr>
-              <a:t>像素</a:t>
-            </a:r>
-            <a:r>
-              <a:rPr lang="zh-CN" altLang="en-US" sz="1200" kern="1200" dirty="0" smtClean="0">
+              <a:t>大小为</a:t>
+            </a:r>
+            <a:r>
+              <a:rPr lang="en-US" altLang="zh-CN" sz="1200" kern="1200" dirty="0" smtClean="0">
                 <a:solidFill>
                   <a:schemeClr val="tx1"/>
                 </a:solidFill>
@@ -7625,10 +7508,10 @@
                 <a:ea typeface="+mn-ea"/>
                 <a:cs typeface="+mn-cs"/>
               </a:rPr>
-              <a:t>大小为</a:t>
-            </a:r>
-            <a:r>
-              <a:rPr lang="en-US" altLang="zh-CN" sz="1200" kern="1200" dirty="0" smtClean="0">
+              <a:t>320×240 </a:t>
+            </a:r>
+            <a:r>
+              <a:rPr lang="zh-CN" altLang="zh-CN" sz="1200" kern="1200" dirty="0" smtClean="0">
                 <a:solidFill>
                   <a:schemeClr val="tx1"/>
                 </a:solidFill>
@@ -7637,10 +7520,10 @@
                 <a:ea typeface="+mn-ea"/>
                 <a:cs typeface="+mn-cs"/>
               </a:rPr>
-              <a:t>320×240 </a:t>
-            </a:r>
-            <a:r>
-              <a:rPr lang="zh-CN" altLang="zh-CN" sz="1200" kern="1200" dirty="0" smtClean="0">
+              <a:t>的</a:t>
+            </a:r>
+            <a:r>
+              <a:rPr lang="zh-CN" altLang="en-US" sz="1200" kern="1200" dirty="0" smtClean="0">
                 <a:solidFill>
                   <a:schemeClr val="tx1"/>
                 </a:solidFill>
@@ -7649,10 +7532,10 @@
                 <a:ea typeface="+mn-ea"/>
                 <a:cs typeface="+mn-cs"/>
               </a:rPr>
-              <a:t>的</a:t>
-            </a:r>
-            <a:r>
-              <a:rPr lang="zh-CN" altLang="en-US" sz="1200" kern="1200" dirty="0" smtClean="0">
+              <a:t>视频</a:t>
+            </a:r>
+            <a:r>
+              <a:rPr lang="zh-CN" altLang="zh-CN" sz="1200" kern="1200" dirty="0" smtClean="0">
                 <a:solidFill>
                   <a:schemeClr val="tx1"/>
                 </a:solidFill>
@@ -7661,10 +7544,10 @@
                 <a:ea typeface="+mn-ea"/>
                 <a:cs typeface="+mn-cs"/>
               </a:rPr>
-              <a:t>视频</a:t>
-            </a:r>
-            <a:r>
-              <a:rPr lang="zh-CN" altLang="zh-CN" sz="1200" kern="1200" dirty="0" smtClean="0">
+              <a:t>进行处理，</a:t>
+            </a:r>
+            <a:r>
+              <a:rPr lang="en-US" altLang="zh-CN" sz="1200" kern="1200" dirty="0" smtClean="0">
                 <a:solidFill>
                   <a:schemeClr val="tx1"/>
                 </a:solidFill>
@@ -7673,7 +7556,7 @@
                 <a:ea typeface="+mn-ea"/>
                 <a:cs typeface="+mn-cs"/>
               </a:rPr>
-              <a:t>进行</a:t>
+              <a:t>VIBE</a:t>
             </a:r>
             <a:r>
               <a:rPr lang="zh-CN" altLang="zh-CN" sz="1200" kern="1200" dirty="0" smtClean="0">
@@ -7685,7 +7568,7 @@
                 <a:ea typeface="+mn-ea"/>
                 <a:cs typeface="+mn-cs"/>
               </a:rPr>
-              <a:t>处理，</a:t>
+              <a:t>算法平均每帧图像的处理时间为</a:t>
             </a:r>
             <a:r>
               <a:rPr lang="en-US" altLang="zh-CN" sz="1200" kern="1200" dirty="0" smtClean="0">
@@ -7697,7 +7580,7 @@
                 <a:ea typeface="+mn-ea"/>
                 <a:cs typeface="+mn-cs"/>
               </a:rPr>
-              <a:t>VIBE</a:t>
+              <a:t>70.233ms</a:t>
             </a:r>
             <a:r>
               <a:rPr lang="zh-CN" altLang="zh-CN" sz="1200" kern="1200" dirty="0" smtClean="0">
@@ -7709,67 +7592,7 @@
                 <a:ea typeface="+mn-ea"/>
                 <a:cs typeface="+mn-cs"/>
               </a:rPr>
-              <a:t>算法平均</a:t>
-            </a:r>
-            <a:r>
-              <a:rPr lang="zh-CN" altLang="zh-CN" sz="1200" kern="1200" dirty="0" smtClean="0">
-                <a:solidFill>
-                  <a:schemeClr val="tx1"/>
-                </a:solidFill>
-                <a:effectLst/>
-                <a:latin typeface="+mn-lt"/>
-                <a:ea typeface="+mn-ea"/>
-                <a:cs typeface="+mn-cs"/>
-              </a:rPr>
-              <a:t>每帧图像的处理时间为</a:t>
-            </a:r>
-            <a:r>
-              <a:rPr lang="en-US" altLang="zh-CN" sz="1200" kern="1200" dirty="0" smtClean="0">
-                <a:solidFill>
-                  <a:schemeClr val="tx1"/>
-                </a:solidFill>
-                <a:effectLst/>
-                <a:latin typeface="+mn-lt"/>
-                <a:ea typeface="+mn-ea"/>
-                <a:cs typeface="+mn-cs"/>
-              </a:rPr>
-              <a:t>70.233ms</a:t>
-            </a:r>
-            <a:r>
-              <a:rPr lang="zh-CN" altLang="zh-CN" sz="1200" kern="1200" dirty="0" smtClean="0">
-                <a:solidFill>
-                  <a:schemeClr val="tx1"/>
-                </a:solidFill>
-                <a:effectLst/>
-                <a:latin typeface="+mn-lt"/>
-                <a:ea typeface="+mn-ea"/>
-                <a:cs typeface="+mn-cs"/>
-              </a:rPr>
-              <a:t>，与其他</a:t>
-            </a:r>
-            <a:r>
-              <a:rPr lang="zh-CN" altLang="zh-CN" sz="1200" kern="1200" dirty="0" smtClean="0">
-                <a:solidFill>
-                  <a:schemeClr val="tx1"/>
-                </a:solidFill>
-                <a:effectLst/>
-                <a:latin typeface="+mn-lt"/>
-                <a:ea typeface="+mn-ea"/>
-                <a:cs typeface="+mn-cs"/>
-              </a:rPr>
-              <a:t>典型算法</a:t>
-            </a:r>
-            <a:r>
-              <a:rPr lang="zh-CN" altLang="zh-CN" sz="1200" kern="1200" dirty="0" smtClean="0">
-                <a:solidFill>
-                  <a:schemeClr val="tx1"/>
-                </a:solidFill>
-                <a:effectLst/>
-                <a:latin typeface="+mn-lt"/>
-                <a:ea typeface="+mn-ea"/>
-                <a:cs typeface="+mn-cs"/>
-              </a:rPr>
-              <a:t>的处理速度对比结果如表所示。</a:t>
+              <a:t>，与其他典型算法的处理速度对比结果如表所示。</a:t>
             </a:r>
             <a:endParaRPr lang="en-US" altLang="zh-CN" sz="1200" kern="1200" dirty="0" smtClean="0">
               <a:solidFill>
@@ -7833,10 +7656,10 @@
                 <a:ea typeface="+mn-ea"/>
                 <a:cs typeface="+mn-cs"/>
               </a:rPr>
-              <a:t>对</a:t>
-            </a:r>
-            <a:r>
-              <a:rPr lang="zh-CN" altLang="zh-CN" sz="1200" kern="1200" dirty="0" smtClean="0">
+              <a:t>对场景变化的适应能力进行实验，实验结果表明在场景转换过程中</a:t>
+            </a:r>
+            <a:r>
+              <a:rPr lang="en-US" altLang="zh-CN" sz="1200" kern="1200" dirty="0" smtClean="0">
                 <a:solidFill>
                   <a:schemeClr val="tx1"/>
                 </a:solidFill>
@@ -7845,10 +7668,10 @@
                 <a:ea typeface="+mn-ea"/>
                 <a:cs typeface="+mn-cs"/>
               </a:rPr>
-              <a:t>场景变化的适应能力进行实验，实验结果表明在场景转换过程中</a:t>
-            </a:r>
-            <a:r>
-              <a:rPr lang="en-US" altLang="zh-CN" sz="1200" kern="1200" dirty="0" smtClean="0">
+              <a:t>VIBE</a:t>
+            </a:r>
+            <a:r>
+              <a:rPr lang="zh-CN" altLang="zh-CN" sz="1200" kern="1200" dirty="0" smtClean="0">
                 <a:solidFill>
                   <a:schemeClr val="tx1"/>
                 </a:solidFill>
@@ -7857,10 +7680,10 @@
                 <a:ea typeface="+mn-ea"/>
                 <a:cs typeface="+mn-cs"/>
               </a:rPr>
-              <a:t>VIBE</a:t>
-            </a:r>
-            <a:r>
-              <a:rPr lang="zh-CN" altLang="zh-CN" sz="1200" kern="1200" dirty="0" smtClean="0">
+              <a:t>算法将大量非运动点误检为运动点，经过</a:t>
+            </a:r>
+            <a:r>
+              <a:rPr lang="en-US" altLang="zh-CN" sz="1200" kern="1200" dirty="0" smtClean="0">
                 <a:solidFill>
                   <a:schemeClr val="tx1"/>
                 </a:solidFill>
@@ -7869,7 +7692,7 @@
                 <a:ea typeface="+mn-ea"/>
                 <a:cs typeface="+mn-cs"/>
               </a:rPr>
-              <a:t>算法</a:t>
+              <a:t>178</a:t>
             </a:r>
             <a:r>
               <a:rPr lang="zh-CN" altLang="zh-CN" sz="1200" kern="1200" dirty="0" smtClean="0">
@@ -7881,7 +7704,7 @@
                 <a:ea typeface="+mn-ea"/>
                 <a:cs typeface="+mn-cs"/>
               </a:rPr>
-              <a:t>将大量非运动点误检为运动点，经过</a:t>
+              <a:t>帧图像后</a:t>
             </a:r>
             <a:r>
               <a:rPr lang="en-US" altLang="zh-CN" sz="1200" kern="1200" dirty="0" smtClean="0">
@@ -7893,10 +7716,10 @@
                 <a:ea typeface="+mn-ea"/>
                 <a:cs typeface="+mn-cs"/>
               </a:rPr>
-              <a:t>178</a:t>
-            </a:r>
-            <a:r>
-              <a:rPr lang="zh-CN" altLang="zh-CN" sz="1200" kern="1200" dirty="0" smtClean="0">
+              <a:t>VIBE</a:t>
+            </a:r>
+            <a:r>
+              <a:rPr lang="zh-CN" altLang="en-US" sz="1200" kern="1200" dirty="0" smtClean="0">
                 <a:solidFill>
                   <a:schemeClr val="tx1"/>
                 </a:solidFill>
@@ -7905,10 +7728,10 @@
                 <a:ea typeface="+mn-ea"/>
                 <a:cs typeface="+mn-cs"/>
               </a:rPr>
-              <a:t>帧图像后</a:t>
-            </a:r>
-            <a:r>
-              <a:rPr lang="en-US" altLang="zh-CN" sz="1200" kern="1200" dirty="0" smtClean="0">
+              <a:t>算法基本</a:t>
+            </a:r>
+            <a:r>
+              <a:rPr lang="zh-CN" altLang="zh-CN" sz="1200" kern="1200" dirty="0" smtClean="0">
                 <a:solidFill>
                   <a:schemeClr val="tx1"/>
                 </a:solidFill>
@@ -7917,43 +7740,7 @@
                 <a:ea typeface="+mn-ea"/>
                 <a:cs typeface="+mn-cs"/>
               </a:rPr>
-              <a:t>VIBE</a:t>
-            </a:r>
-            <a:r>
-              <a:rPr lang="zh-CN" altLang="en-US" sz="1200" kern="1200" dirty="0" smtClean="0">
-                <a:solidFill>
-                  <a:schemeClr val="tx1"/>
-                </a:solidFill>
-                <a:effectLst/>
-                <a:latin typeface="+mn-lt"/>
-                <a:ea typeface="+mn-ea"/>
-                <a:cs typeface="+mn-cs"/>
-              </a:rPr>
-              <a:t>算法基本</a:t>
-            </a:r>
-            <a:r>
-              <a:rPr lang="zh-CN" altLang="zh-CN" sz="1200" kern="1200" dirty="0" smtClean="0">
-                <a:solidFill>
-                  <a:schemeClr val="tx1"/>
-                </a:solidFill>
-                <a:effectLst/>
-                <a:latin typeface="+mn-lt"/>
-                <a:ea typeface="+mn-ea"/>
-                <a:cs typeface="+mn-cs"/>
-              </a:rPr>
-              <a:t>能恢复</a:t>
-            </a:r>
-            <a:r>
-              <a:rPr lang="zh-CN" altLang="zh-CN" sz="1200" kern="1200" dirty="0" smtClean="0">
-                <a:solidFill>
-                  <a:schemeClr val="tx1"/>
-                </a:solidFill>
-                <a:effectLst/>
-                <a:latin typeface="+mn-lt"/>
-                <a:ea typeface="+mn-ea"/>
-                <a:cs typeface="+mn-cs"/>
-              </a:rPr>
-              <a:t>正常检测。</a:t>
+              <a:t>能恢复正常检测。</a:t>
             </a:r>
           </a:p>
           <a:p>
@@ -8814,10 +8601,10 @@
                 <a:ea typeface="+mn-ea"/>
                 <a:cs typeface="+mn-cs"/>
               </a:rPr>
-              <a:t>在相同实验条件下对相同的火灾监控</a:t>
-            </a:r>
-            <a:r>
-              <a:rPr lang="zh-CN" altLang="zh-CN" sz="1200" kern="1200" dirty="0" smtClean="0">
+              <a:t>在相同实验条件下对相同的火灾监控视频</a:t>
+            </a:r>
+            <a:r>
+              <a:rPr lang="zh-CN" altLang="en-US" sz="1200" kern="1200" dirty="0" smtClean="0">
                 <a:solidFill>
                   <a:schemeClr val="tx1"/>
                 </a:solidFill>
@@ -8826,10 +8613,10 @@
                 <a:ea typeface="+mn-ea"/>
                 <a:cs typeface="+mn-cs"/>
               </a:rPr>
-              <a:t>视频</a:t>
-            </a:r>
-            <a:r>
-              <a:rPr lang="zh-CN" altLang="en-US" sz="1200" kern="1200" dirty="0" smtClean="0">
+              <a:t>采用不同算法</a:t>
+            </a:r>
+            <a:r>
+              <a:rPr lang="zh-CN" altLang="zh-CN" sz="1200" kern="1200" dirty="0" smtClean="0">
                 <a:solidFill>
                   <a:schemeClr val="tx1"/>
                 </a:solidFill>
@@ -8838,10 +8625,10 @@
                 <a:ea typeface="+mn-ea"/>
                 <a:cs typeface="+mn-cs"/>
               </a:rPr>
-              <a:t>采用不同算法</a:t>
-            </a:r>
-            <a:r>
-              <a:rPr lang="zh-CN" altLang="zh-CN" sz="1200" kern="1200" dirty="0" smtClean="0">
+              <a:t>进行运动检测，平均每帧图像耗时结果如表所示，实验结果显示改进后的</a:t>
+            </a:r>
+            <a:r>
+              <a:rPr lang="en-US" altLang="zh-CN" sz="1200" kern="1200" dirty="0" smtClean="0">
                 <a:solidFill>
                   <a:schemeClr val="tx1"/>
                 </a:solidFill>
@@ -8850,7 +8637,7 @@
                 <a:ea typeface="+mn-ea"/>
                 <a:cs typeface="+mn-cs"/>
               </a:rPr>
-              <a:t>进行运动</a:t>
+              <a:t>VIBE</a:t>
             </a:r>
             <a:r>
               <a:rPr lang="zh-CN" altLang="zh-CN" sz="1200" kern="1200" dirty="0" smtClean="0">
@@ -8862,7 +8649,7 @@
                 <a:ea typeface="+mn-ea"/>
                 <a:cs typeface="+mn-cs"/>
               </a:rPr>
-              <a:t>检测，平均每帧图像耗时结果如表所示，实验结果显示改进后的</a:t>
+              <a:t>算法对每帧图像的处理时间约为</a:t>
             </a:r>
             <a:r>
               <a:rPr lang="en-US" altLang="zh-CN" sz="1200" kern="1200" dirty="0" smtClean="0">
@@ -8874,7 +8661,7 @@
                 <a:ea typeface="+mn-ea"/>
                 <a:cs typeface="+mn-cs"/>
               </a:rPr>
-              <a:t>VIBE</a:t>
+              <a:t>62ms</a:t>
             </a:r>
             <a:r>
               <a:rPr lang="zh-CN" altLang="zh-CN" sz="1200" kern="1200" dirty="0" smtClean="0">
@@ -8886,7 +8673,7 @@
                 <a:ea typeface="+mn-ea"/>
                 <a:cs typeface="+mn-cs"/>
               </a:rPr>
-              <a:t>算法对每帧图像的处理时间约为</a:t>
+              <a:t>，相较于</a:t>
             </a:r>
             <a:r>
               <a:rPr lang="en-US" altLang="zh-CN" sz="1200" kern="1200" dirty="0" smtClean="0">
@@ -8898,7 +8685,7 @@
                 <a:ea typeface="+mn-ea"/>
                 <a:cs typeface="+mn-cs"/>
               </a:rPr>
-              <a:t>62ms</a:t>
+              <a:t>VIBE</a:t>
             </a:r>
             <a:r>
               <a:rPr lang="zh-CN" altLang="zh-CN" sz="1200" kern="1200" dirty="0" smtClean="0">
@@ -8910,10 +8697,12 @@
                 <a:ea typeface="+mn-ea"/>
                 <a:cs typeface="+mn-cs"/>
               </a:rPr>
-              <a:t>，相较于</a:t>
-            </a:r>
-            <a:r>
-              <a:rPr lang="en-US" altLang="zh-CN" sz="1200" kern="1200" dirty="0" smtClean="0">
+              <a:t>算法有了部分提高。</a:t>
+            </a:r>
+          </a:p>
+          <a:p>
+            <a:r>
+              <a:rPr lang="zh-CN" altLang="en-US" sz="1200" kern="1200" dirty="0" smtClean="0">
                 <a:solidFill>
                   <a:schemeClr val="tx1"/>
                 </a:solidFill>
@@ -8922,7 +8711,7 @@
                 <a:ea typeface="+mn-ea"/>
                 <a:cs typeface="+mn-cs"/>
               </a:rPr>
-              <a:t>VIBE</a:t>
+              <a:t>同样</a:t>
             </a:r>
             <a:r>
               <a:rPr lang="zh-CN" altLang="zh-CN" sz="1200" kern="1200" dirty="0" smtClean="0">
@@ -8934,57 +8723,7 @@
                 <a:ea typeface="+mn-ea"/>
                 <a:cs typeface="+mn-cs"/>
               </a:rPr>
-              <a:t>算法有了部分提高。</a:t>
-            </a:r>
-          </a:p>
-          <a:p>
-            <a:r>
-              <a:rPr lang="zh-CN" altLang="en-US" sz="1200" kern="1200" dirty="0" smtClean="0">
-                <a:solidFill>
-                  <a:schemeClr val="tx1"/>
-                </a:solidFill>
-                <a:effectLst/>
-                <a:latin typeface="+mn-lt"/>
-                <a:ea typeface="+mn-ea"/>
-                <a:cs typeface="+mn-cs"/>
-              </a:rPr>
-              <a:t>同样</a:t>
-            </a:r>
-            <a:r>
-              <a:rPr lang="zh-CN" altLang="zh-CN" sz="1200" kern="1200" dirty="0" smtClean="0">
-                <a:solidFill>
-                  <a:schemeClr val="tx1"/>
-                </a:solidFill>
-                <a:effectLst/>
-                <a:latin typeface="+mn-lt"/>
-                <a:ea typeface="+mn-ea"/>
-                <a:cs typeface="+mn-cs"/>
-              </a:rPr>
-              <a:t>在相同实验条件下对</a:t>
-            </a:r>
-            <a:r>
-              <a:rPr lang="zh-CN" altLang="zh-CN" sz="1200" kern="1200" dirty="0" smtClean="0">
-                <a:solidFill>
-                  <a:schemeClr val="tx1"/>
-                </a:solidFill>
-                <a:effectLst/>
-                <a:latin typeface="+mn-lt"/>
-                <a:ea typeface="+mn-ea"/>
-                <a:cs typeface="+mn-cs"/>
-              </a:rPr>
-              <a:t>不同算法</a:t>
-            </a:r>
-            <a:r>
-              <a:rPr lang="zh-CN" altLang="zh-CN" sz="1200" kern="1200" dirty="0" smtClean="0">
-                <a:solidFill>
-                  <a:schemeClr val="tx1"/>
-                </a:solidFill>
-                <a:effectLst/>
-                <a:latin typeface="+mn-lt"/>
-                <a:ea typeface="+mn-ea"/>
-                <a:cs typeface="+mn-cs"/>
-              </a:rPr>
-              <a:t>对视频场景变化的适应能力进行实验。不同算法在场景变化后能完全适应背景常见变化平均所需图像帧数与总时间的实验结果数据如表所示，实验结果表明改进后</a:t>
+              <a:t>在相同实验条件下对不同算法对视频场景变化的适应能力进行实验。不同算法在场景变化后能完全适应背景常见变化平均所需图像帧数与总时间的实验结果数据如表所示，实验结果表明改进后</a:t>
             </a:r>
             <a:r>
               <a:rPr lang="en-US" altLang="zh-CN" sz="1200" kern="1200" dirty="0" smtClean="0">
@@ -11802,19 +11541,7 @@
                 <a:ea typeface="+mn-ea"/>
                 <a:cs typeface="+mn-cs"/>
               </a:rPr>
-              <a:t>分析</a:t>
-            </a:r>
-            <a:r>
-              <a:rPr lang="zh-CN" altLang="zh-CN" sz="1200" kern="1200" dirty="0" smtClean="0">
-                <a:solidFill>
-                  <a:schemeClr val="tx1"/>
-                </a:solidFill>
-                <a:effectLst/>
-                <a:latin typeface="+mn-lt"/>
-                <a:ea typeface="+mn-ea"/>
-                <a:cs typeface="+mn-cs"/>
-              </a:rPr>
-              <a:t>了将</a:t>
+              <a:t>分析了将</a:t>
             </a:r>
             <a:r>
               <a:rPr lang="en-US" altLang="zh-CN" sz="1200" kern="1200" dirty="0" smtClean="0">
@@ -11994,10 +11721,10 @@
                 <a:ea typeface="+mn-ea"/>
                 <a:cs typeface="+mn-cs"/>
               </a:rPr>
-              <a:t>日俄罗斯森林地区发生大型火灾，并蔓延至</a:t>
-            </a:r>
-            <a:r>
-              <a:rPr lang="zh-CN" altLang="zh-CN" sz="1200" kern="1200" dirty="0" smtClean="0">
+              <a:t>日俄罗斯森林地区发生大型火灾，并蔓延至我国大兴安岭</a:t>
+            </a:r>
+            <a:r>
+              <a:rPr lang="zh-CN" altLang="en-US" sz="1200" kern="1200" dirty="0" smtClean="0">
                 <a:solidFill>
                   <a:schemeClr val="tx1"/>
                 </a:solidFill>
@@ -12006,10 +11733,10 @@
                 <a:ea typeface="+mn-ea"/>
                 <a:cs typeface="+mn-cs"/>
               </a:rPr>
-              <a:t>我国大兴安岭</a:t>
-            </a:r>
-            <a:r>
-              <a:rPr lang="zh-CN" altLang="en-US" sz="1200" kern="1200" dirty="0" smtClean="0">
+              <a:t>，</a:t>
+            </a:r>
+            <a:r>
+              <a:rPr lang="zh-CN" altLang="zh-CN" sz="1200" kern="1200" dirty="0" smtClean="0">
                 <a:solidFill>
                   <a:schemeClr val="tx1"/>
                 </a:solidFill>
@@ -12018,10 +11745,10 @@
                 <a:ea typeface="+mn-ea"/>
                 <a:cs typeface="+mn-cs"/>
               </a:rPr>
-              <a:t>，</a:t>
-            </a:r>
-            <a:r>
-              <a:rPr lang="zh-CN" altLang="zh-CN" sz="1200" kern="1200" dirty="0" smtClean="0">
+              <a:t>造成</a:t>
+            </a:r>
+            <a:r>
+              <a:rPr lang="zh-CN" altLang="en-US" sz="1200" kern="1200" dirty="0" smtClean="0">
                 <a:solidFill>
                   <a:schemeClr val="tx1"/>
                 </a:solidFill>
@@ -12030,10 +11757,10 @@
                 <a:ea typeface="+mn-ea"/>
                 <a:cs typeface="+mn-cs"/>
               </a:rPr>
-              <a:t>造成</a:t>
-            </a:r>
-            <a:r>
-              <a:rPr lang="zh-CN" altLang="en-US" sz="1200" kern="1200" dirty="0" smtClean="0">
+              <a:t>该</a:t>
+            </a:r>
+            <a:r>
+              <a:rPr lang="zh-CN" altLang="zh-CN" sz="1200" kern="1200" dirty="0" smtClean="0">
                 <a:solidFill>
                   <a:schemeClr val="tx1"/>
                 </a:solidFill>
@@ -12042,10 +11769,10 @@
                 <a:ea typeface="+mn-ea"/>
                 <a:cs typeface="+mn-cs"/>
               </a:rPr>
-              <a:t>该</a:t>
-            </a:r>
-            <a:r>
-              <a:rPr lang="zh-CN" altLang="zh-CN" sz="1200" kern="1200" dirty="0" smtClean="0">
+              <a:t>地区的又一次重大火灾事件，</a:t>
+            </a:r>
+            <a:r>
+              <a:rPr lang="zh-CN" altLang="en-US" sz="1200" kern="1200" dirty="0" smtClean="0">
                 <a:solidFill>
                   <a:schemeClr val="tx1"/>
                 </a:solidFill>
@@ -12054,43 +11781,7 @@
                 <a:ea typeface="+mn-ea"/>
                 <a:cs typeface="+mn-cs"/>
               </a:rPr>
-              <a:t>地区</a:t>
-            </a:r>
-            <a:r>
-              <a:rPr lang="zh-CN" altLang="zh-CN" sz="1200" kern="1200" dirty="0" smtClean="0">
-                <a:solidFill>
-                  <a:schemeClr val="tx1"/>
-                </a:solidFill>
-                <a:effectLst/>
-                <a:latin typeface="+mn-lt"/>
-                <a:ea typeface="+mn-ea"/>
-                <a:cs typeface="+mn-cs"/>
-              </a:rPr>
-              <a:t>的又一次重大火灾事件，</a:t>
-            </a:r>
-            <a:r>
-              <a:rPr lang="zh-CN" altLang="en-US" sz="1200" kern="1200" dirty="0" smtClean="0">
-                <a:solidFill>
-                  <a:schemeClr val="tx1"/>
-                </a:solidFill>
-                <a:effectLst/>
-                <a:latin typeface="+mn-lt"/>
-                <a:ea typeface="+mn-ea"/>
-                <a:cs typeface="+mn-cs"/>
-              </a:rPr>
-              <a:t>历经一个星期左右的时间才实现火灾的全线合围</a:t>
-            </a:r>
-            <a:r>
-              <a:rPr lang="zh-CN" altLang="en-US" sz="1200" kern="1200" dirty="0" smtClean="0">
-                <a:solidFill>
-                  <a:schemeClr val="tx1"/>
-                </a:solidFill>
-                <a:effectLst/>
-                <a:latin typeface="+mn-lt"/>
-                <a:ea typeface="+mn-ea"/>
-                <a:cs typeface="+mn-cs"/>
-              </a:rPr>
-              <a:t>，</a:t>
+              <a:t>历经一个星期左右的时间才实现火灾的全线合围，</a:t>
             </a:r>
             <a:r>
               <a:rPr lang="en-US" altLang="zh-CN" sz="1200" kern="1200" dirty="0" smtClean="0">
@@ -20343,12 +20034,12 @@
           <a:graphicData uri="http://schemas.openxmlformats.org/presentationml/2006/ole">
             <mc:AlternateContent xmlns:mc="http://schemas.openxmlformats.org/markup-compatibility/2006">
               <mc:Choice xmlns:v="urn:schemas-microsoft-com:vml" Requires="v">
-                <p:oleObj spid="_x0000_s12960" name="文档" r:id="rId4" imgW="5305693" imgH="3086383" progId="Word.Document.12">
+                <p:oleObj spid="_x0000_s12962" name="文档" r:id="rId5" imgW="5305693" imgH="3086383" progId="Word.Document.12">
                   <p:embed/>
                 </p:oleObj>
               </mc:Choice>
               <mc:Fallback>
-                <p:oleObj name="文档" r:id="rId4" imgW="5305693" imgH="3086383" progId="Word.Document.12">
+                <p:oleObj name="文档" r:id="rId5" imgW="5305693" imgH="3086383" progId="Word.Document.12">
                   <p:embed/>
                   <p:pic>
                     <p:nvPicPr>
@@ -20359,7 +20050,7 @@
                       <p:nvPr/>
                     </p:nvPicPr>
                     <p:blipFill>
-                      <a:blip r:embed="rId5">
+                      <a:blip r:embed="rId6">
                         <a:extLst>
                           <a:ext uri="{28A0092B-C50C-407E-A947-70E740481C1C}">
                             <a14:useLocalDpi xmlns:a14="http://schemas.microsoft.com/office/drawing/2010/main" val="0"/>
@@ -20410,12 +20101,12 @@
           <a:graphicData uri="http://schemas.openxmlformats.org/presentationml/2006/ole">
             <mc:AlternateContent xmlns:mc="http://schemas.openxmlformats.org/markup-compatibility/2006">
               <mc:Choice xmlns:v="urn:schemas-microsoft-com:vml" Requires="v">
-                <p:oleObj spid="_x0000_s12961" name="文档" r:id="rId6" imgW="5274753" imgH="1627618" progId="Word.Document.12">
+                <p:oleObj spid="_x0000_s12963" name="文档" r:id="rId8" imgW="5274753" imgH="1627618" progId="Word.Document.12">
                   <p:embed/>
                 </p:oleObj>
               </mc:Choice>
               <mc:Fallback>
-                <p:oleObj name="文档" r:id="rId6" imgW="5274753" imgH="1627618" progId="Word.Document.12">
+                <p:oleObj name="文档" r:id="rId8" imgW="5274753" imgH="1627618" progId="Word.Document.12">
                   <p:embed/>
                   <p:pic>
                     <p:nvPicPr>
@@ -20424,7 +20115,7 @@
                       <p:nvPr/>
                     </p:nvPicPr>
                     <p:blipFill>
-                      <a:blip r:embed="rId7"/>
+                      <a:blip r:embed="rId9"/>
                       <a:stretch>
                         <a:fillRect/>
                       </a:stretch>
@@ -22742,7 +22433,7 @@
           <a:graphicData uri="http://schemas.openxmlformats.org/presentationml/2006/ole">
             <mc:AlternateContent xmlns:mc="http://schemas.openxmlformats.org/markup-compatibility/2006">
               <mc:Choice xmlns:v="urn:schemas-microsoft-com:vml" Requires="v">
-                <p:oleObj spid="_x0000_s3465" name="Equation" r:id="rId4" imgW="622080" imgH="393480" progId="Equation.DSMT4">
+                <p:oleObj spid="_x0000_s3466" name="Equation" r:id="rId4" imgW="622080" imgH="393480" progId="Equation.DSMT4">
                   <p:embed/>
                 </p:oleObj>
               </mc:Choice>
@@ -25944,7 +25635,7 @@
           <a:graphicData uri="http://schemas.openxmlformats.org/presentationml/2006/ole">
             <mc:AlternateContent xmlns:mc="http://schemas.openxmlformats.org/markup-compatibility/2006">
               <mc:Choice xmlns:v="urn:schemas-microsoft-com:vml" Requires="v">
-                <p:oleObj spid="_x0000_s4465" name="Equation" r:id="rId7" imgW="469900" imgH="419100" progId="Equation.DSMT4">
+                <p:oleObj spid="_x0000_s4466" name="Equation" r:id="rId7" imgW="469900" imgH="419100" progId="Equation.DSMT4">
                   <p:embed/>
                 </p:oleObj>
               </mc:Choice>
@@ -26205,12 +25896,12 @@
           <a:graphicData uri="http://schemas.openxmlformats.org/presentationml/2006/ole">
             <mc:AlternateContent xmlns:mc="http://schemas.openxmlformats.org/markup-compatibility/2006">
               <mc:Choice xmlns:v="urn:schemas-microsoft-com:vml" Requires="v">
-                <p:oleObj spid="_x0000_s5488" name="文档" r:id="rId4" imgW="5305693" imgH="2366719" progId="Word.Document.12">
+                <p:oleObj spid="_x0000_s5489" name="文档" r:id="rId5" imgW="5305693" imgH="2366719" progId="Word.Document.12">
                   <p:embed/>
                 </p:oleObj>
               </mc:Choice>
               <mc:Fallback>
-                <p:oleObj name="文档" r:id="rId4" imgW="5305693" imgH="2366719" progId="Word.Document.12">
+                <p:oleObj name="文档" r:id="rId5" imgW="5305693" imgH="2366719" progId="Word.Document.12">
                   <p:embed/>
                   <p:pic>
                     <p:nvPicPr>
@@ -26221,7 +25912,7 @@
                       <p:nvPr/>
                     </p:nvPicPr>
                     <p:blipFill>
-                      <a:blip r:embed="rId5">
+                      <a:blip r:embed="rId6">
                         <a:extLst>
                           <a:ext uri="{28A0092B-C50C-407E-A947-70E740481C1C}">
                             <a14:useLocalDpi xmlns:a14="http://schemas.microsoft.com/office/drawing/2010/main" val="0"/>
@@ -27828,12 +27519,12 @@
           <a:graphicData uri="http://schemas.openxmlformats.org/presentationml/2006/ole">
             <mc:AlternateContent xmlns:mc="http://schemas.openxmlformats.org/markup-compatibility/2006">
               <mc:Choice xmlns:v="urn:schemas-microsoft-com:vml" Requires="v">
-                <p:oleObj spid="_x0000_s10596" name="Visio" r:id="rId4" imgW="5781743" imgH="4791165" progId="Visio.Drawing.15">
+                <p:oleObj spid="_x0000_s10597" name="Visio" r:id="rId5" imgW="5781743" imgH="4791165" progId="Visio.Drawing.15">
                   <p:embed/>
                 </p:oleObj>
               </mc:Choice>
               <mc:Fallback>
-                <p:oleObj name="Visio" r:id="rId4" imgW="5781743" imgH="4791165" progId="Visio.Drawing.15">
+                <p:oleObj name="Visio" r:id="rId5" imgW="5781743" imgH="4791165" progId="Visio.Drawing.15">
                   <p:embed/>
                   <p:pic>
                     <p:nvPicPr>
@@ -27844,7 +27535,7 @@
                       <p:nvPr/>
                     </p:nvPicPr>
                     <p:blipFill>
-                      <a:blip r:embed="rId5">
+                      <a:blip r:embed="rId6">
                         <a:extLst>
                           <a:ext uri="{28A0092B-C50C-407E-A947-70E740481C1C}">
                             <a14:useLocalDpi xmlns:a14="http://schemas.microsoft.com/office/drawing/2010/main" val="0"/>
@@ -28241,7 +27932,7 @@
           <a:graphicData uri="http://schemas.openxmlformats.org/presentationml/2006/ole">
             <mc:AlternateContent xmlns:mc="http://schemas.openxmlformats.org/markup-compatibility/2006">
               <mc:Choice xmlns:v="urn:schemas-microsoft-com:vml" Requires="v">
-                <p:oleObj spid="_x0000_s11969" name="Equation" r:id="rId4" imgW="1841500" imgH="419100" progId="Equation.DSMT4">
+                <p:oleObj spid="_x0000_s11971" name="Equation" r:id="rId4" imgW="1841500" imgH="419100" progId="Equation.DSMT4">
                   <p:embed/>
                 </p:oleObj>
               </mc:Choice>
@@ -28308,7 +27999,7 @@
           <a:graphicData uri="http://schemas.openxmlformats.org/presentationml/2006/ole">
             <mc:AlternateContent xmlns:mc="http://schemas.openxmlformats.org/markup-compatibility/2006">
               <mc:Choice xmlns:v="urn:schemas-microsoft-com:vml" Requires="v">
-                <p:oleObj spid="_x0000_s11970" name="Equation" r:id="rId6" imgW="1841500" imgH="419100" progId="Equation.DSMT4">
+                <p:oleObj spid="_x0000_s11972" name="Equation" r:id="rId6" imgW="1841500" imgH="419100" progId="Equation.DSMT4">
                   <p:embed/>
                 </p:oleObj>
               </mc:Choice>
